--- a/Exercies02/Exercise02.pptx
+++ b/Exercies02/Exercise02.pptx
@@ -32,7 +32,7 @@
   <p:notesSz cx="6858000" cy="9144000"/>
   <p:defaultTextStyle>
     <a:defPPr>
-      <a:defRPr lang="zh-CN"/>
+      <a:defRPr lang="zh-CHS"/>
     </a:defPPr>
     <a:lvl1pPr marL="0" algn="l" defTabSz="914400" rtl="0" eaLnBrk="1" latinLnBrk="0" hangingPunct="1">
       <a:defRPr sz="1800" kern="1200">
@@ -125,6 +125,22 @@
       </a:defRPr>
     </a:lvl9pPr>
   </p:defaultTextStyle>
+  <p:extLst>
+    <p:ext uri="{EFAFB233-063F-42B5-8137-9DF3F51BA10A}">
+      <p15:sldGuideLst xmlns:p15="http://schemas.microsoft.com/office/powerpoint/2012/main">
+        <p15:guide id="1" orient="horz" pos="2160">
+          <p15:clr>
+            <a:srgbClr val="A4A3A4"/>
+          </p15:clr>
+        </p15:guide>
+        <p15:guide id="2" pos="2880">
+          <p15:clr>
+            <a:srgbClr val="A4A3A4"/>
+          </p15:clr>
+        </p15:guide>
+      </p15:sldGuideLst>
+    </p:ext>
+  </p:extLst>
 </p:presentation>
 </file>
 
@@ -263,7 +279,7 @@
           </a:lstStyle>
           <a:p>
             <a:r>
-              <a:rPr kumimoji="0" lang="zh-CN" altLang="en-US" smtClean="0"/>
+              <a:rPr kumimoji="0" lang="zh-CHS" altLang="en-US" smtClean="0"/>
               <a:t>单击此处编辑母版标题样式</a:t>
             </a:r>
             <a:endParaRPr kumimoji="0" lang="en-US"/>
@@ -325,7 +341,7 @@
           </a:lstStyle>
           <a:p>
             <a:r>
-              <a:rPr kumimoji="0" lang="zh-CN" altLang="en-US" smtClean="0"/>
+              <a:rPr kumimoji="0" lang="zh-CHS" altLang="en-US" smtClean="0"/>
               <a:t>单击此处编辑母版副标题样式</a:t>
             </a:r>
             <a:endParaRPr kumimoji="0" lang="en-US"/>
@@ -752,11 +768,11 @@
           </a:lstStyle>
           <a:p>
             <a:fld id="{530820CF-B880-4189-942D-D702A7CBA730}" type="datetimeFigureOut">
-              <a:rPr lang="zh-CN" altLang="en-US" smtClean="0"/>
+              <a:rPr lang="zh-CHS" altLang="en-US" smtClean="0"/>
               <a:pPr/>
-              <a:t>2015/3/16</a:t>
+              <a:t>15/3/16</a:t>
             </a:fld>
-            <a:endParaRPr lang="zh-CN" altLang="en-US"/>
+            <a:endParaRPr lang="zh-CHS" altLang="en-US"/>
           </a:p>
         </p:txBody>
       </p:sp>
@@ -786,7 +802,7 @@
             <a:extLst/>
           </a:lstStyle>
           <a:p>
-            <a:endParaRPr lang="zh-CN" altLang="en-US"/>
+            <a:endParaRPr lang="zh-CHS" altLang="en-US"/>
           </a:p>
         </p:txBody>
       </p:sp>
@@ -815,11 +831,11 @@
           </a:lstStyle>
           <a:p>
             <a:fld id="{0C913308-F349-4B6D-A68A-DD1791B4A57B}" type="slidenum">
-              <a:rPr lang="zh-CN" altLang="en-US" smtClean="0"/>
+              <a:rPr lang="zh-CHS" altLang="en-US" smtClean="0"/>
               <a:pPr/>
               <a:t>‹#›</a:t>
             </a:fld>
-            <a:endParaRPr lang="zh-CN" altLang="en-US"/>
+            <a:endParaRPr lang="zh-CHS" altLang="en-US"/>
           </a:p>
         </p:txBody>
       </p:sp>
@@ -866,7 +882,7 @@
           </a:lstStyle>
           <a:p>
             <a:r>
-              <a:rPr kumimoji="0" lang="zh-CN" altLang="en-US" smtClean="0"/>
+              <a:rPr kumimoji="0" lang="zh-CHS" altLang="en-US" smtClean="0"/>
               <a:t>单击此处编辑母版标题样式</a:t>
             </a:r>
             <a:endParaRPr kumimoji="0" lang="en-US"/>
@@ -897,35 +913,35 @@
           <a:p>
             <a:pPr lvl="0" eaLnBrk="1" latinLnBrk="0" hangingPunct="1"/>
             <a:r>
-              <a:rPr lang="zh-CN" altLang="en-US" smtClean="0"/>
+              <a:rPr lang="zh-CHS" altLang="en-US" smtClean="0"/>
               <a:t>单击此处编辑母版文本样式</a:t>
             </a:r>
           </a:p>
           <a:p>
             <a:pPr lvl="1" eaLnBrk="1" latinLnBrk="0" hangingPunct="1"/>
             <a:r>
-              <a:rPr lang="zh-CN" altLang="en-US" smtClean="0"/>
+              <a:rPr lang="zh-CHS" altLang="en-US" smtClean="0"/>
               <a:t>第二级</a:t>
             </a:r>
           </a:p>
           <a:p>
             <a:pPr lvl="2" eaLnBrk="1" latinLnBrk="0" hangingPunct="1"/>
             <a:r>
-              <a:rPr lang="zh-CN" altLang="en-US" smtClean="0"/>
+              <a:rPr lang="zh-CHS" altLang="en-US" smtClean="0"/>
               <a:t>第三级</a:t>
             </a:r>
           </a:p>
           <a:p>
             <a:pPr lvl="3" eaLnBrk="1" latinLnBrk="0" hangingPunct="1"/>
             <a:r>
-              <a:rPr lang="zh-CN" altLang="en-US" smtClean="0"/>
+              <a:rPr lang="zh-CHS" altLang="en-US" smtClean="0"/>
               <a:t>第四级</a:t>
             </a:r>
           </a:p>
           <a:p>
             <a:pPr lvl="4" eaLnBrk="1" latinLnBrk="0" hangingPunct="1"/>
             <a:r>
-              <a:rPr lang="zh-CN" altLang="en-US" smtClean="0"/>
+              <a:rPr lang="zh-CHS" altLang="en-US" smtClean="0"/>
               <a:t>第五级</a:t>
             </a:r>
             <a:endParaRPr kumimoji="0" lang="en-US"/>
@@ -950,11 +966,11 @@
           </a:lstStyle>
           <a:p>
             <a:fld id="{530820CF-B880-4189-942D-D702A7CBA730}" type="datetimeFigureOut">
-              <a:rPr lang="zh-CN" altLang="en-US" smtClean="0"/>
+              <a:rPr lang="zh-CHS" altLang="en-US" smtClean="0"/>
               <a:pPr/>
-              <a:t>2015/3/16</a:t>
+              <a:t>15/3/16</a:t>
             </a:fld>
-            <a:endParaRPr lang="zh-CN" altLang="en-US"/>
+            <a:endParaRPr lang="zh-CHS" altLang="en-US"/>
           </a:p>
         </p:txBody>
       </p:sp>
@@ -975,7 +991,7 @@
             <a:extLst/>
           </a:lstStyle>
           <a:p>
-            <a:endParaRPr lang="zh-CN" altLang="en-US"/>
+            <a:endParaRPr lang="zh-CHS" altLang="en-US"/>
           </a:p>
         </p:txBody>
       </p:sp>
@@ -997,11 +1013,11 @@
           </a:lstStyle>
           <a:p>
             <a:fld id="{0C913308-F349-4B6D-A68A-DD1791B4A57B}" type="slidenum">
-              <a:rPr lang="zh-CN" altLang="en-US" smtClean="0"/>
+              <a:rPr lang="zh-CHS" altLang="en-US" smtClean="0"/>
               <a:pPr/>
               <a:t>‹#›</a:t>
             </a:fld>
-            <a:endParaRPr lang="zh-CN" altLang="en-US"/>
+            <a:endParaRPr lang="zh-CHS" altLang="en-US"/>
           </a:p>
         </p:txBody>
       </p:sp>
@@ -1053,7 +1069,7 @@
           </a:lstStyle>
           <a:p>
             <a:r>
-              <a:rPr kumimoji="0" lang="zh-CN" altLang="en-US" smtClean="0"/>
+              <a:rPr kumimoji="0" lang="zh-CHS" altLang="en-US" smtClean="0"/>
               <a:t>单击此处编辑母版标题样式</a:t>
             </a:r>
             <a:endParaRPr kumimoji="0" lang="en-US"/>
@@ -1084,35 +1100,35 @@
           <a:p>
             <a:pPr lvl="0" eaLnBrk="1" latinLnBrk="0" hangingPunct="1"/>
             <a:r>
-              <a:rPr lang="zh-CN" altLang="en-US" smtClean="0"/>
+              <a:rPr lang="zh-CHS" altLang="en-US" smtClean="0"/>
               <a:t>单击此处编辑母版文本样式</a:t>
             </a:r>
           </a:p>
           <a:p>
             <a:pPr lvl="1" eaLnBrk="1" latinLnBrk="0" hangingPunct="1"/>
             <a:r>
-              <a:rPr lang="zh-CN" altLang="en-US" smtClean="0"/>
+              <a:rPr lang="zh-CHS" altLang="en-US" smtClean="0"/>
               <a:t>第二级</a:t>
             </a:r>
           </a:p>
           <a:p>
             <a:pPr lvl="2" eaLnBrk="1" latinLnBrk="0" hangingPunct="1"/>
             <a:r>
-              <a:rPr lang="zh-CN" altLang="en-US" smtClean="0"/>
+              <a:rPr lang="zh-CHS" altLang="en-US" smtClean="0"/>
               <a:t>第三级</a:t>
             </a:r>
           </a:p>
           <a:p>
             <a:pPr lvl="3" eaLnBrk="1" latinLnBrk="0" hangingPunct="1"/>
             <a:r>
-              <a:rPr lang="zh-CN" altLang="en-US" smtClean="0"/>
+              <a:rPr lang="zh-CHS" altLang="en-US" smtClean="0"/>
               <a:t>第四级</a:t>
             </a:r>
           </a:p>
           <a:p>
             <a:pPr lvl="4" eaLnBrk="1" latinLnBrk="0" hangingPunct="1"/>
             <a:r>
-              <a:rPr lang="zh-CN" altLang="en-US" smtClean="0"/>
+              <a:rPr lang="zh-CHS" altLang="en-US" smtClean="0"/>
               <a:t>第五级</a:t>
             </a:r>
             <a:endParaRPr kumimoji="0" lang="en-US"/>
@@ -1137,11 +1153,11 @@
           </a:lstStyle>
           <a:p>
             <a:fld id="{530820CF-B880-4189-942D-D702A7CBA730}" type="datetimeFigureOut">
-              <a:rPr lang="zh-CN" altLang="en-US" smtClean="0"/>
+              <a:rPr lang="zh-CHS" altLang="en-US" smtClean="0"/>
               <a:pPr/>
-              <a:t>2015/3/16</a:t>
+              <a:t>15/3/16</a:t>
             </a:fld>
-            <a:endParaRPr lang="zh-CN" altLang="en-US"/>
+            <a:endParaRPr lang="zh-CHS" altLang="en-US"/>
           </a:p>
         </p:txBody>
       </p:sp>
@@ -1162,7 +1178,7 @@
             <a:extLst/>
           </a:lstStyle>
           <a:p>
-            <a:endParaRPr lang="zh-CN" altLang="en-US"/>
+            <a:endParaRPr lang="zh-CHS" altLang="en-US"/>
           </a:p>
         </p:txBody>
       </p:sp>
@@ -1184,11 +1200,11 @@
           </a:lstStyle>
           <a:p>
             <a:fld id="{0C913308-F349-4B6D-A68A-DD1791B4A57B}" type="slidenum">
-              <a:rPr lang="zh-CN" altLang="en-US" smtClean="0"/>
+              <a:rPr lang="zh-CHS" altLang="en-US" smtClean="0"/>
               <a:pPr/>
               <a:t>‹#›</a:t>
             </a:fld>
-            <a:endParaRPr lang="zh-CN" altLang="en-US"/>
+            <a:endParaRPr lang="zh-CHS" altLang="en-US"/>
           </a:p>
         </p:txBody>
       </p:sp>
@@ -1236,35 +1252,35 @@
           <a:p>
             <a:pPr lvl="0" eaLnBrk="1" latinLnBrk="0" hangingPunct="1"/>
             <a:r>
-              <a:rPr lang="zh-CN" altLang="en-US" smtClean="0"/>
+              <a:rPr lang="zh-CHS" altLang="en-US" smtClean="0"/>
               <a:t>单击此处编辑母版文本样式</a:t>
             </a:r>
           </a:p>
           <a:p>
             <a:pPr lvl="1" eaLnBrk="1" latinLnBrk="0" hangingPunct="1"/>
             <a:r>
-              <a:rPr lang="zh-CN" altLang="en-US" smtClean="0"/>
+              <a:rPr lang="zh-CHS" altLang="en-US" smtClean="0"/>
               <a:t>第二级</a:t>
             </a:r>
           </a:p>
           <a:p>
             <a:pPr lvl="2" eaLnBrk="1" latinLnBrk="0" hangingPunct="1"/>
             <a:r>
-              <a:rPr lang="zh-CN" altLang="en-US" smtClean="0"/>
+              <a:rPr lang="zh-CHS" altLang="en-US" smtClean="0"/>
               <a:t>第三级</a:t>
             </a:r>
           </a:p>
           <a:p>
             <a:pPr lvl="3" eaLnBrk="1" latinLnBrk="0" hangingPunct="1"/>
             <a:r>
-              <a:rPr lang="zh-CN" altLang="en-US" smtClean="0"/>
+              <a:rPr lang="zh-CHS" altLang="en-US" smtClean="0"/>
               <a:t>第四级</a:t>
             </a:r>
           </a:p>
           <a:p>
             <a:pPr lvl="4" eaLnBrk="1" latinLnBrk="0" hangingPunct="1"/>
             <a:r>
-              <a:rPr lang="zh-CN" altLang="en-US" smtClean="0"/>
+              <a:rPr lang="zh-CHS" altLang="en-US" smtClean="0"/>
               <a:t>第五级</a:t>
             </a:r>
             <a:endParaRPr kumimoji="0" lang="en-US"/>
@@ -1289,11 +1305,11 @@
           </a:lstStyle>
           <a:p>
             <a:fld id="{530820CF-B880-4189-942D-D702A7CBA730}" type="datetimeFigureOut">
-              <a:rPr lang="zh-CN" altLang="en-US" smtClean="0"/>
+              <a:rPr lang="zh-CHS" altLang="en-US" smtClean="0"/>
               <a:pPr/>
-              <a:t>2015/3/16</a:t>
+              <a:t>15/3/16</a:t>
             </a:fld>
-            <a:endParaRPr lang="zh-CN" altLang="en-US"/>
+            <a:endParaRPr lang="zh-CHS" altLang="en-US"/>
           </a:p>
         </p:txBody>
       </p:sp>
@@ -1314,7 +1330,7 @@
             <a:extLst/>
           </a:lstStyle>
           <a:p>
-            <a:endParaRPr lang="zh-CN" altLang="en-US"/>
+            <a:endParaRPr lang="zh-CHS" altLang="en-US"/>
           </a:p>
         </p:txBody>
       </p:sp>
@@ -1336,11 +1352,11 @@
           </a:lstStyle>
           <a:p>
             <a:fld id="{0C913308-F349-4B6D-A68A-DD1791B4A57B}" type="slidenum">
-              <a:rPr lang="zh-CN" altLang="en-US" smtClean="0"/>
+              <a:rPr lang="zh-CHS" altLang="en-US" smtClean="0"/>
               <a:pPr/>
               <a:t>‹#›</a:t>
             </a:fld>
-            <a:endParaRPr lang="zh-CN" altLang="en-US"/>
+            <a:endParaRPr lang="zh-CHS" altLang="en-US"/>
           </a:p>
         </p:txBody>
       </p:sp>
@@ -1362,7 +1378,7 @@
           </a:lstStyle>
           <a:p>
             <a:r>
-              <a:rPr kumimoji="0" lang="zh-CN" altLang="en-US" smtClean="0"/>
+              <a:rPr kumimoji="0" lang="zh-CHS" altLang="en-US" smtClean="0"/>
               <a:t>单击此处编辑母版标题样式</a:t>
             </a:r>
             <a:endParaRPr kumimoji="0" lang="en-US"/>
@@ -1438,7 +1454,7 @@
           </a:lstStyle>
           <a:p>
             <a:r>
-              <a:rPr kumimoji="0" lang="zh-CN" altLang="en-US" smtClean="0"/>
+              <a:rPr kumimoji="0" lang="zh-CHS" altLang="en-US" smtClean="0"/>
               <a:t>单击此处编辑母版标题样式</a:t>
             </a:r>
             <a:endParaRPr kumimoji="0" lang="en-US"/>
@@ -1517,7 +1533,7 @@
           <a:p>
             <a:pPr lvl="0" eaLnBrk="1" latinLnBrk="0" hangingPunct="1"/>
             <a:r>
-              <a:rPr kumimoji="0" lang="zh-CN" altLang="en-US" smtClean="0"/>
+              <a:rPr kumimoji="0" lang="zh-CHS" altLang="en-US" smtClean="0"/>
               <a:t>单击此处编辑母版文本样式</a:t>
             </a:r>
           </a:p>
@@ -1541,11 +1557,11 @@
           </a:lstStyle>
           <a:p>
             <a:fld id="{530820CF-B880-4189-942D-D702A7CBA730}" type="datetimeFigureOut">
-              <a:rPr lang="zh-CN" altLang="en-US" smtClean="0"/>
+              <a:rPr lang="zh-CHS" altLang="en-US" smtClean="0"/>
               <a:pPr/>
-              <a:t>2015/3/16</a:t>
+              <a:t>15/3/16</a:t>
             </a:fld>
-            <a:endParaRPr lang="zh-CN" altLang="en-US"/>
+            <a:endParaRPr lang="zh-CHS" altLang="en-US"/>
           </a:p>
         </p:txBody>
       </p:sp>
@@ -1566,7 +1582,7 @@
             <a:extLst/>
           </a:lstStyle>
           <a:p>
-            <a:endParaRPr lang="zh-CN" altLang="en-US"/>
+            <a:endParaRPr lang="zh-CHS" altLang="en-US"/>
           </a:p>
         </p:txBody>
       </p:sp>
@@ -1588,11 +1604,11 @@
           </a:lstStyle>
           <a:p>
             <a:fld id="{0C913308-F349-4B6D-A68A-DD1791B4A57B}" type="slidenum">
-              <a:rPr lang="zh-CN" altLang="en-US" smtClean="0"/>
+              <a:rPr lang="zh-CHS" altLang="en-US" smtClean="0"/>
               <a:pPr/>
               <a:t>‹#›</a:t>
             </a:fld>
-            <a:endParaRPr lang="zh-CN" altLang="en-US"/>
+            <a:endParaRPr lang="zh-CHS" altLang="en-US"/>
           </a:p>
         </p:txBody>
       </p:sp>
@@ -1820,35 +1836,35 @@
           <a:p>
             <a:pPr lvl="0" eaLnBrk="1" latinLnBrk="0" hangingPunct="1"/>
             <a:r>
-              <a:rPr lang="zh-CN" altLang="en-US" smtClean="0"/>
+              <a:rPr lang="zh-CHS" altLang="en-US" smtClean="0"/>
               <a:t>单击此处编辑母版文本样式</a:t>
             </a:r>
           </a:p>
           <a:p>
             <a:pPr lvl="1" eaLnBrk="1" latinLnBrk="0" hangingPunct="1"/>
             <a:r>
-              <a:rPr lang="zh-CN" altLang="en-US" smtClean="0"/>
+              <a:rPr lang="zh-CHS" altLang="en-US" smtClean="0"/>
               <a:t>第二级</a:t>
             </a:r>
           </a:p>
           <a:p>
             <a:pPr lvl="2" eaLnBrk="1" latinLnBrk="0" hangingPunct="1"/>
             <a:r>
-              <a:rPr lang="zh-CN" altLang="en-US" smtClean="0"/>
+              <a:rPr lang="zh-CHS" altLang="en-US" smtClean="0"/>
               <a:t>第三级</a:t>
             </a:r>
           </a:p>
           <a:p>
             <a:pPr lvl="3" eaLnBrk="1" latinLnBrk="0" hangingPunct="1"/>
             <a:r>
-              <a:rPr lang="zh-CN" altLang="en-US" smtClean="0"/>
+              <a:rPr lang="zh-CHS" altLang="en-US" smtClean="0"/>
               <a:t>第四级</a:t>
             </a:r>
           </a:p>
           <a:p>
             <a:pPr lvl="4" eaLnBrk="1" latinLnBrk="0" hangingPunct="1"/>
             <a:r>
-              <a:rPr lang="zh-CN" altLang="en-US" smtClean="0"/>
+              <a:rPr lang="zh-CHS" altLang="en-US" smtClean="0"/>
               <a:t>第五级</a:t>
             </a:r>
             <a:endParaRPr kumimoji="0" lang="en-US"/>
@@ -1894,35 +1910,35 @@
           <a:p>
             <a:pPr lvl="0" eaLnBrk="1" latinLnBrk="0" hangingPunct="1"/>
             <a:r>
-              <a:rPr lang="zh-CN" altLang="en-US" smtClean="0"/>
+              <a:rPr lang="zh-CHS" altLang="en-US" smtClean="0"/>
               <a:t>单击此处编辑母版文本样式</a:t>
             </a:r>
           </a:p>
           <a:p>
             <a:pPr lvl="1" eaLnBrk="1" latinLnBrk="0" hangingPunct="1"/>
             <a:r>
-              <a:rPr lang="zh-CN" altLang="en-US" smtClean="0"/>
+              <a:rPr lang="zh-CHS" altLang="en-US" smtClean="0"/>
               <a:t>第二级</a:t>
             </a:r>
           </a:p>
           <a:p>
             <a:pPr lvl="2" eaLnBrk="1" latinLnBrk="0" hangingPunct="1"/>
             <a:r>
-              <a:rPr lang="zh-CN" altLang="en-US" smtClean="0"/>
+              <a:rPr lang="zh-CHS" altLang="en-US" smtClean="0"/>
               <a:t>第三级</a:t>
             </a:r>
           </a:p>
           <a:p>
             <a:pPr lvl="3" eaLnBrk="1" latinLnBrk="0" hangingPunct="1"/>
             <a:r>
-              <a:rPr lang="zh-CN" altLang="en-US" smtClean="0"/>
+              <a:rPr lang="zh-CHS" altLang="en-US" smtClean="0"/>
               <a:t>第四级</a:t>
             </a:r>
           </a:p>
           <a:p>
             <a:pPr lvl="4" eaLnBrk="1" latinLnBrk="0" hangingPunct="1"/>
             <a:r>
-              <a:rPr lang="zh-CN" altLang="en-US" smtClean="0"/>
+              <a:rPr lang="zh-CHS" altLang="en-US" smtClean="0"/>
               <a:t>第五级</a:t>
             </a:r>
             <a:endParaRPr kumimoji="0" lang="en-US"/>
@@ -1947,11 +1963,11 @@
           </a:lstStyle>
           <a:p>
             <a:fld id="{530820CF-B880-4189-942D-D702A7CBA730}" type="datetimeFigureOut">
-              <a:rPr lang="zh-CN" altLang="en-US" smtClean="0"/>
+              <a:rPr lang="zh-CHS" altLang="en-US" smtClean="0"/>
               <a:pPr/>
-              <a:t>2015/3/16</a:t>
+              <a:t>15/3/16</a:t>
             </a:fld>
-            <a:endParaRPr lang="zh-CN" altLang="en-US"/>
+            <a:endParaRPr lang="zh-CHS" altLang="en-US"/>
           </a:p>
         </p:txBody>
       </p:sp>
@@ -1972,7 +1988,7 @@
             <a:extLst/>
           </a:lstStyle>
           <a:p>
-            <a:endParaRPr lang="zh-CN" altLang="en-US"/>
+            <a:endParaRPr lang="zh-CHS" altLang="en-US"/>
           </a:p>
         </p:txBody>
       </p:sp>
@@ -1994,11 +2010,11 @@
           </a:lstStyle>
           <a:p>
             <a:fld id="{0C913308-F349-4B6D-A68A-DD1791B4A57B}" type="slidenum">
-              <a:rPr lang="zh-CN" altLang="en-US" smtClean="0"/>
+              <a:rPr lang="zh-CHS" altLang="en-US" smtClean="0"/>
               <a:pPr/>
               <a:t>‹#›</a:t>
             </a:fld>
-            <a:endParaRPr lang="zh-CN" altLang="en-US"/>
+            <a:endParaRPr lang="zh-CHS" altLang="en-US"/>
           </a:p>
         </p:txBody>
       </p:sp>
@@ -2020,7 +2036,7 @@
           </a:lstStyle>
           <a:p>
             <a:r>
-              <a:rPr kumimoji="0" lang="zh-CN" altLang="en-US" smtClean="0"/>
+              <a:rPr kumimoji="0" lang="zh-CHS" altLang="en-US" smtClean="0"/>
               <a:t>单击此处编辑母版标题样式</a:t>
             </a:r>
             <a:endParaRPr kumimoji="0" lang="en-US"/>
@@ -2078,7 +2094,7 @@
           </a:lstStyle>
           <a:p>
             <a:r>
-              <a:rPr kumimoji="0" lang="zh-CN" altLang="en-US" smtClean="0"/>
+              <a:rPr kumimoji="0" lang="zh-CHS" altLang="en-US" smtClean="0"/>
               <a:t>单击此处编辑母版标题样式</a:t>
             </a:r>
             <a:endParaRPr kumimoji="0" lang="en-US"/>
@@ -2142,7 +2158,7 @@
           <a:p>
             <a:pPr lvl="0" eaLnBrk="1" latinLnBrk="0" hangingPunct="1"/>
             <a:r>
-              <a:rPr kumimoji="0" lang="zh-CN" altLang="en-US" smtClean="0"/>
+              <a:rPr kumimoji="0" lang="zh-CHS" altLang="en-US" smtClean="0"/>
               <a:t>单击此处编辑母版文本样式</a:t>
             </a:r>
           </a:p>
@@ -2205,7 +2221,7 @@
           <a:p>
             <a:pPr lvl="0" eaLnBrk="1" latinLnBrk="0" hangingPunct="1"/>
             <a:r>
-              <a:rPr kumimoji="0" lang="zh-CN" altLang="en-US" smtClean="0"/>
+              <a:rPr kumimoji="0" lang="zh-CHS" altLang="en-US" smtClean="0"/>
               <a:t>单击此处编辑母版文本样式</a:t>
             </a:r>
           </a:p>
@@ -2255,35 +2271,35 @@
           <a:p>
             <a:pPr lvl="0" eaLnBrk="1" latinLnBrk="0" hangingPunct="1"/>
             <a:r>
-              <a:rPr lang="zh-CN" altLang="en-US" smtClean="0"/>
+              <a:rPr lang="zh-CHS" altLang="en-US" smtClean="0"/>
               <a:t>单击此处编辑母版文本样式</a:t>
             </a:r>
           </a:p>
           <a:p>
             <a:pPr lvl="1" eaLnBrk="1" latinLnBrk="0" hangingPunct="1"/>
             <a:r>
-              <a:rPr lang="zh-CN" altLang="en-US" smtClean="0"/>
+              <a:rPr lang="zh-CHS" altLang="en-US" smtClean="0"/>
               <a:t>第二级</a:t>
             </a:r>
           </a:p>
           <a:p>
             <a:pPr lvl="2" eaLnBrk="1" latinLnBrk="0" hangingPunct="1"/>
             <a:r>
-              <a:rPr lang="zh-CN" altLang="en-US" smtClean="0"/>
+              <a:rPr lang="zh-CHS" altLang="en-US" smtClean="0"/>
               <a:t>第三级</a:t>
             </a:r>
           </a:p>
           <a:p>
             <a:pPr lvl="3" eaLnBrk="1" latinLnBrk="0" hangingPunct="1"/>
             <a:r>
-              <a:rPr lang="zh-CN" altLang="en-US" smtClean="0"/>
+              <a:rPr lang="zh-CHS" altLang="en-US" smtClean="0"/>
               <a:t>第四级</a:t>
             </a:r>
           </a:p>
           <a:p>
             <a:pPr lvl="4" eaLnBrk="1" latinLnBrk="0" hangingPunct="1"/>
             <a:r>
-              <a:rPr lang="zh-CN" altLang="en-US" smtClean="0"/>
+              <a:rPr lang="zh-CHS" altLang="en-US" smtClean="0"/>
               <a:t>第五级</a:t>
             </a:r>
             <a:endParaRPr kumimoji="0" lang="en-US"/>
@@ -2337,35 +2353,35 @@
           <a:p>
             <a:pPr lvl="0" eaLnBrk="1" latinLnBrk="0" hangingPunct="1"/>
             <a:r>
-              <a:rPr lang="zh-CN" altLang="en-US" smtClean="0"/>
+              <a:rPr lang="zh-CHS" altLang="en-US" smtClean="0"/>
               <a:t>单击此处编辑母版文本样式</a:t>
             </a:r>
           </a:p>
           <a:p>
             <a:pPr lvl="1" eaLnBrk="1" latinLnBrk="0" hangingPunct="1"/>
             <a:r>
-              <a:rPr lang="zh-CN" altLang="en-US" smtClean="0"/>
+              <a:rPr lang="zh-CHS" altLang="en-US" smtClean="0"/>
               <a:t>第二级</a:t>
             </a:r>
           </a:p>
           <a:p>
             <a:pPr lvl="2" eaLnBrk="1" latinLnBrk="0" hangingPunct="1"/>
             <a:r>
-              <a:rPr lang="zh-CN" altLang="en-US" smtClean="0"/>
+              <a:rPr lang="zh-CHS" altLang="en-US" smtClean="0"/>
               <a:t>第三级</a:t>
             </a:r>
           </a:p>
           <a:p>
             <a:pPr lvl="3" eaLnBrk="1" latinLnBrk="0" hangingPunct="1"/>
             <a:r>
-              <a:rPr lang="zh-CN" altLang="en-US" smtClean="0"/>
+              <a:rPr lang="zh-CHS" altLang="en-US" smtClean="0"/>
               <a:t>第四级</a:t>
             </a:r>
           </a:p>
           <a:p>
             <a:pPr lvl="4" eaLnBrk="1" latinLnBrk="0" hangingPunct="1"/>
             <a:r>
-              <a:rPr lang="zh-CN" altLang="en-US" smtClean="0"/>
+              <a:rPr lang="zh-CHS" altLang="en-US" smtClean="0"/>
               <a:t>第五级</a:t>
             </a:r>
             <a:endParaRPr kumimoji="0" lang="en-US"/>
@@ -2390,11 +2406,11 @@
           </a:lstStyle>
           <a:p>
             <a:fld id="{530820CF-B880-4189-942D-D702A7CBA730}" type="datetimeFigureOut">
-              <a:rPr lang="zh-CN" altLang="en-US" smtClean="0"/>
+              <a:rPr lang="zh-CHS" altLang="en-US" smtClean="0"/>
               <a:pPr/>
-              <a:t>2015/3/16</a:t>
+              <a:t>15/3/16</a:t>
             </a:fld>
-            <a:endParaRPr lang="zh-CN" altLang="en-US"/>
+            <a:endParaRPr lang="zh-CHS" altLang="en-US"/>
           </a:p>
         </p:txBody>
       </p:sp>
@@ -2415,7 +2431,7 @@
             <a:extLst/>
           </a:lstStyle>
           <a:p>
-            <a:endParaRPr lang="zh-CN" altLang="en-US"/>
+            <a:endParaRPr lang="zh-CHS" altLang="en-US"/>
           </a:p>
         </p:txBody>
       </p:sp>
@@ -2437,11 +2453,11 @@
           </a:lstStyle>
           <a:p>
             <a:fld id="{0C913308-F349-4B6D-A68A-DD1791B4A57B}" type="slidenum">
-              <a:rPr lang="zh-CN" altLang="en-US" smtClean="0"/>
+              <a:rPr lang="zh-CHS" altLang="en-US" smtClean="0"/>
               <a:pPr/>
               <a:t>‹#›</a:t>
             </a:fld>
-            <a:endParaRPr lang="zh-CN" altLang="en-US"/>
+            <a:endParaRPr lang="zh-CHS" altLang="en-US"/>
           </a:p>
         </p:txBody>
       </p:sp>
@@ -2488,11 +2504,11 @@
           </a:lstStyle>
           <a:p>
             <a:fld id="{530820CF-B880-4189-942D-D702A7CBA730}" type="datetimeFigureOut">
-              <a:rPr lang="zh-CN" altLang="en-US" smtClean="0"/>
+              <a:rPr lang="zh-CHS" altLang="en-US" smtClean="0"/>
               <a:pPr/>
-              <a:t>2015/3/16</a:t>
+              <a:t>15/3/16</a:t>
             </a:fld>
-            <a:endParaRPr lang="zh-CN" altLang="en-US"/>
+            <a:endParaRPr lang="zh-CHS" altLang="en-US"/>
           </a:p>
         </p:txBody>
       </p:sp>
@@ -2513,7 +2529,7 @@
             <a:extLst/>
           </a:lstStyle>
           <a:p>
-            <a:endParaRPr lang="zh-CN" altLang="en-US"/>
+            <a:endParaRPr lang="zh-CHS" altLang="en-US"/>
           </a:p>
         </p:txBody>
       </p:sp>
@@ -2535,11 +2551,11 @@
           </a:lstStyle>
           <a:p>
             <a:fld id="{0C913308-F349-4B6D-A68A-DD1791B4A57B}" type="slidenum">
-              <a:rPr lang="zh-CN" altLang="en-US" smtClean="0"/>
+              <a:rPr lang="zh-CHS" altLang="en-US" smtClean="0"/>
               <a:pPr/>
               <a:t>‹#›</a:t>
             </a:fld>
-            <a:endParaRPr lang="zh-CN" altLang="en-US"/>
+            <a:endParaRPr lang="zh-CHS" altLang="en-US"/>
           </a:p>
         </p:txBody>
       </p:sp>
@@ -2561,7 +2577,7 @@
           </a:lstStyle>
           <a:p>
             <a:r>
-              <a:rPr kumimoji="0" lang="zh-CN" altLang="en-US" smtClean="0"/>
+              <a:rPr kumimoji="0" lang="zh-CHS" altLang="en-US" smtClean="0"/>
               <a:t>单击此处编辑母版标题样式</a:t>
             </a:r>
             <a:endParaRPr kumimoji="0" lang="en-US"/>
@@ -2611,11 +2627,11 @@
           </a:lstStyle>
           <a:p>
             <a:fld id="{530820CF-B880-4189-942D-D702A7CBA730}" type="datetimeFigureOut">
-              <a:rPr lang="zh-CN" altLang="en-US" smtClean="0"/>
+              <a:rPr lang="zh-CHS" altLang="en-US" smtClean="0"/>
               <a:pPr/>
-              <a:t>2015/3/16</a:t>
+              <a:t>15/3/16</a:t>
             </a:fld>
-            <a:endParaRPr lang="zh-CN" altLang="en-US"/>
+            <a:endParaRPr lang="zh-CHS" altLang="en-US"/>
           </a:p>
         </p:txBody>
       </p:sp>
@@ -2636,7 +2652,7 @@
             <a:extLst/>
           </a:lstStyle>
           <a:p>
-            <a:endParaRPr lang="zh-CN" altLang="en-US"/>
+            <a:endParaRPr lang="zh-CHS" altLang="en-US"/>
           </a:p>
         </p:txBody>
       </p:sp>
@@ -2658,11 +2674,11 @@
           </a:lstStyle>
           <a:p>
             <a:fld id="{0C913308-F349-4B6D-A68A-DD1791B4A57B}" type="slidenum">
-              <a:rPr lang="zh-CN" altLang="en-US" smtClean="0"/>
+              <a:rPr lang="zh-CHS" altLang="en-US" smtClean="0"/>
               <a:pPr/>
               <a:t>‹#›</a:t>
             </a:fld>
-            <a:endParaRPr lang="zh-CN" altLang="en-US"/>
+            <a:endParaRPr lang="zh-CHS" altLang="en-US"/>
           </a:p>
         </p:txBody>
       </p:sp>
@@ -2728,7 +2744,7 @@
           </a:lstStyle>
           <a:p>
             <a:r>
-              <a:rPr kumimoji="0" lang="zh-CN" altLang="en-US" smtClean="0"/>
+              <a:rPr kumimoji="0" lang="zh-CHS" altLang="en-US" smtClean="0"/>
               <a:t>单击此处编辑母版标题样式</a:t>
             </a:r>
             <a:endParaRPr kumimoji="0" lang="en-US"/>
@@ -2779,7 +2795,7 @@
           <a:p>
             <a:pPr lvl="0" eaLnBrk="1" latinLnBrk="0" hangingPunct="1"/>
             <a:r>
-              <a:rPr kumimoji="0" lang="zh-CN" altLang="en-US" smtClean="0"/>
+              <a:rPr kumimoji="0" lang="zh-CHS" altLang="en-US" smtClean="0"/>
               <a:t>单击此处编辑母版文本样式</a:t>
             </a:r>
           </a:p>
@@ -2824,35 +2840,35 @@
           <a:p>
             <a:pPr lvl="0" eaLnBrk="1" latinLnBrk="0" hangingPunct="1"/>
             <a:r>
-              <a:rPr lang="zh-CN" altLang="en-US" smtClean="0"/>
+              <a:rPr lang="zh-CHS" altLang="en-US" smtClean="0"/>
               <a:t>单击此处编辑母版文本样式</a:t>
             </a:r>
           </a:p>
           <a:p>
             <a:pPr lvl="1" eaLnBrk="1" latinLnBrk="0" hangingPunct="1"/>
             <a:r>
-              <a:rPr lang="zh-CN" altLang="en-US" smtClean="0"/>
+              <a:rPr lang="zh-CHS" altLang="en-US" smtClean="0"/>
               <a:t>第二级</a:t>
             </a:r>
           </a:p>
           <a:p>
             <a:pPr lvl="2" eaLnBrk="1" latinLnBrk="0" hangingPunct="1"/>
             <a:r>
-              <a:rPr lang="zh-CN" altLang="en-US" smtClean="0"/>
+              <a:rPr lang="zh-CHS" altLang="en-US" smtClean="0"/>
               <a:t>第三级</a:t>
             </a:r>
           </a:p>
           <a:p>
             <a:pPr lvl="3" eaLnBrk="1" latinLnBrk="0" hangingPunct="1"/>
             <a:r>
-              <a:rPr lang="zh-CN" altLang="en-US" smtClean="0"/>
+              <a:rPr lang="zh-CHS" altLang="en-US" smtClean="0"/>
               <a:t>第四级</a:t>
             </a:r>
           </a:p>
           <a:p>
             <a:pPr lvl="4" eaLnBrk="1" latinLnBrk="0" hangingPunct="1"/>
             <a:r>
-              <a:rPr lang="zh-CN" altLang="en-US" smtClean="0"/>
+              <a:rPr lang="zh-CHS" altLang="en-US" smtClean="0"/>
               <a:t>第五级</a:t>
             </a:r>
             <a:endParaRPr kumimoji="0" lang="en-US"/>
@@ -2882,11 +2898,11 @@
           </a:lstStyle>
           <a:p>
             <a:fld id="{530820CF-B880-4189-942D-D702A7CBA730}" type="datetimeFigureOut">
-              <a:rPr lang="zh-CN" altLang="en-US" smtClean="0"/>
+              <a:rPr lang="zh-CHS" altLang="en-US" smtClean="0"/>
               <a:pPr/>
-              <a:t>2015/3/16</a:t>
+              <a:t>15/3/16</a:t>
             </a:fld>
-            <a:endParaRPr lang="zh-CN" altLang="en-US"/>
+            <a:endParaRPr lang="zh-CHS" altLang="en-US"/>
           </a:p>
         </p:txBody>
       </p:sp>
@@ -2907,7 +2923,7 @@
             <a:extLst/>
           </a:lstStyle>
           <a:p>
-            <a:endParaRPr lang="zh-CN" altLang="en-US"/>
+            <a:endParaRPr lang="zh-CHS" altLang="en-US"/>
           </a:p>
         </p:txBody>
       </p:sp>
@@ -2929,11 +2945,11 @@
           </a:lstStyle>
           <a:p>
             <a:fld id="{0C913308-F349-4B6D-A68A-DD1791B4A57B}" type="slidenum">
-              <a:rPr lang="zh-CN" altLang="en-US" smtClean="0"/>
+              <a:rPr lang="zh-CHS" altLang="en-US" smtClean="0"/>
               <a:pPr/>
               <a:t>‹#›</a:t>
             </a:fld>
-            <a:endParaRPr lang="zh-CN" altLang="en-US"/>
+            <a:endParaRPr lang="zh-CHS" altLang="en-US"/>
           </a:p>
         </p:txBody>
       </p:sp>
@@ -3003,7 +3019,7 @@
           <a:p>
             <a:pPr lvl="0" eaLnBrk="1" latinLnBrk="0" hangingPunct="1"/>
             <a:r>
-              <a:rPr kumimoji="0" lang="zh-CN" altLang="en-US" smtClean="0"/>
+              <a:rPr kumimoji="0" lang="zh-CHS" altLang="en-US" smtClean="0"/>
               <a:t>单击此处编辑母版文本样式</a:t>
             </a:r>
           </a:p>
@@ -3052,7 +3068,7 @@
           </a:lstStyle>
           <a:p>
             <a:r>
-              <a:rPr kumimoji="0" lang="zh-CN" altLang="en-US" smtClean="0"/>
+              <a:rPr kumimoji="0" lang="zh-CHS" altLang="en-US" smtClean="0"/>
               <a:t>单击图标添加图片</a:t>
             </a:r>
             <a:endParaRPr kumimoji="0" lang="en-US" dirty="0"/>
@@ -3084,11 +3100,11 @@
           </a:lstStyle>
           <a:p>
             <a:fld id="{530820CF-B880-4189-942D-D702A7CBA730}" type="datetimeFigureOut">
-              <a:rPr lang="zh-CN" altLang="en-US" smtClean="0"/>
+              <a:rPr lang="zh-CHS" altLang="en-US" smtClean="0"/>
               <a:pPr/>
-              <a:t>2015/3/16</a:t>
+              <a:t>15/3/16</a:t>
             </a:fld>
-            <a:endParaRPr lang="zh-CN" altLang="en-US"/>
+            <a:endParaRPr lang="zh-CHS" altLang="en-US"/>
           </a:p>
         </p:txBody>
       </p:sp>
@@ -3121,7 +3137,7 @@
             <a:extLst/>
           </a:lstStyle>
           <a:p>
-            <a:endParaRPr lang="zh-CN" altLang="en-US"/>
+            <a:endParaRPr lang="zh-CHS" altLang="en-US"/>
           </a:p>
         </p:txBody>
       </p:sp>
@@ -3150,11 +3166,11 @@
           </a:lstStyle>
           <a:p>
             <a:fld id="{0C913308-F349-4B6D-A68A-DD1791B4A57B}" type="slidenum">
-              <a:rPr lang="zh-CN" altLang="en-US" smtClean="0"/>
+              <a:rPr lang="zh-CHS" altLang="en-US" smtClean="0"/>
               <a:pPr/>
               <a:t>‹#›</a:t>
             </a:fld>
-            <a:endParaRPr lang="zh-CN" altLang="en-US"/>
+            <a:endParaRPr lang="zh-CHS" altLang="en-US"/>
           </a:p>
         </p:txBody>
       </p:sp>
@@ -3199,7 +3215,7 @@
           </a:lstStyle>
           <a:p>
             <a:r>
-              <a:rPr kumimoji="0" lang="zh-CN" altLang="en-US" smtClean="0"/>
+              <a:rPr kumimoji="0" lang="zh-CHS" altLang="en-US" smtClean="0"/>
               <a:t>单击此处编辑母版标题样式</a:t>
             </a:r>
             <a:endParaRPr kumimoji="0" lang="en-US"/>
@@ -4100,7 +4116,7 @@
           </a:lstStyle>
           <a:p>
             <a:r>
-              <a:rPr kumimoji="0" lang="zh-CN" altLang="en-US" smtClean="0"/>
+              <a:rPr kumimoji="0" lang="zh-CHS" altLang="en-US" smtClean="0"/>
               <a:t>单击此处编辑母版标题样式</a:t>
             </a:r>
             <a:endParaRPr kumimoji="0" lang="en-US"/>
@@ -4136,35 +4152,35 @@
           <a:p>
             <a:pPr lvl="0" eaLnBrk="1" latinLnBrk="0" hangingPunct="1"/>
             <a:r>
-              <a:rPr kumimoji="0" lang="zh-CN" altLang="en-US" smtClean="0"/>
+              <a:rPr kumimoji="0" lang="zh-CHS" altLang="en-US" smtClean="0"/>
               <a:t>单击此处编辑母版文本样式</a:t>
             </a:r>
           </a:p>
           <a:p>
             <a:pPr lvl="1" eaLnBrk="1" latinLnBrk="0" hangingPunct="1"/>
             <a:r>
-              <a:rPr kumimoji="0" lang="zh-CN" altLang="en-US" smtClean="0"/>
+              <a:rPr kumimoji="0" lang="zh-CHS" altLang="en-US" smtClean="0"/>
               <a:t>第二级</a:t>
             </a:r>
           </a:p>
           <a:p>
             <a:pPr lvl="2" eaLnBrk="1" latinLnBrk="0" hangingPunct="1"/>
             <a:r>
-              <a:rPr kumimoji="0" lang="zh-CN" altLang="en-US" smtClean="0"/>
+              <a:rPr kumimoji="0" lang="zh-CHS" altLang="en-US" smtClean="0"/>
               <a:t>第三级</a:t>
             </a:r>
           </a:p>
           <a:p>
             <a:pPr lvl="3" eaLnBrk="1" latinLnBrk="0" hangingPunct="1"/>
             <a:r>
-              <a:rPr kumimoji="0" lang="zh-CN" altLang="en-US" smtClean="0"/>
+              <a:rPr kumimoji="0" lang="zh-CHS" altLang="en-US" smtClean="0"/>
               <a:t>第四级</a:t>
             </a:r>
           </a:p>
           <a:p>
             <a:pPr lvl="4" eaLnBrk="1" latinLnBrk="0" hangingPunct="1"/>
             <a:r>
-              <a:rPr kumimoji="0" lang="zh-CN" altLang="en-US" smtClean="0"/>
+              <a:rPr kumimoji="0" lang="zh-CHS" altLang="en-US" smtClean="0"/>
               <a:t>第五级</a:t>
             </a:r>
             <a:endParaRPr kumimoji="0" lang="en-US"/>
@@ -4204,11 +4220,11 @@
           </a:lstStyle>
           <a:p>
             <a:fld id="{530820CF-B880-4189-942D-D702A7CBA730}" type="datetimeFigureOut">
-              <a:rPr lang="zh-CN" altLang="en-US" smtClean="0"/>
+              <a:rPr lang="zh-CHS" altLang="en-US" smtClean="0"/>
               <a:pPr/>
-              <a:t>2015/3/16</a:t>
+              <a:t>15/3/16</a:t>
             </a:fld>
-            <a:endParaRPr lang="zh-CN" altLang="en-US"/>
+            <a:endParaRPr lang="zh-CHS" altLang="en-US"/>
           </a:p>
         </p:txBody>
       </p:sp>
@@ -4244,7 +4260,7 @@
             <a:extLst/>
           </a:lstStyle>
           <a:p>
-            <a:endParaRPr lang="zh-CN" altLang="en-US"/>
+            <a:endParaRPr lang="zh-CHS" altLang="en-US"/>
           </a:p>
         </p:txBody>
       </p:sp>
@@ -4281,11 +4297,11 @@
           </a:lstStyle>
           <a:p>
             <a:fld id="{0C913308-F349-4B6D-A68A-DD1791B4A57B}" type="slidenum">
-              <a:rPr lang="zh-CN" altLang="en-US" smtClean="0"/>
+              <a:rPr lang="zh-CHS" altLang="en-US" smtClean="0"/>
               <a:pPr/>
               <a:t>‹#›</a:t>
             </a:fld>
-            <a:endParaRPr lang="zh-CN" altLang="en-US"/>
+            <a:endParaRPr lang="zh-CHS" altLang="en-US"/>
           </a:p>
         </p:txBody>
       </p:sp>
@@ -4635,10 +4651,10 @@
           <a:lstStyle/>
           <a:p>
             <a:r>
-              <a:rPr lang="en-US" altLang="zh-CN" dirty="0" smtClean="0"/>
+              <a:rPr lang="en-US" altLang="zh-CHS" dirty="0" smtClean="0"/>
               <a:t>OpenGL Programming</a:t>
             </a:r>
-            <a:endParaRPr lang="zh-CN" altLang="en-US" dirty="0"/>
+            <a:endParaRPr lang="zh-CHS" altLang="en-US" dirty="0"/>
           </a:p>
         </p:txBody>
       </p:sp>
@@ -4665,35 +4681,35 @@
           <a:lstStyle/>
           <a:p>
             <a:r>
-              <a:rPr lang="en-US" altLang="zh-CN" dirty="0" err="1" smtClean="0"/>
+              <a:rPr lang="en-US" altLang="zh-CHS" dirty="0" err="1" smtClean="0"/>
               <a:t>Chunxu</a:t>
             </a:r>
             <a:r>
-              <a:rPr lang="en-US" altLang="zh-CN" dirty="0" smtClean="0"/>
+              <a:rPr lang="en-US" altLang="zh-CHS" dirty="0" smtClean="0"/>
               <a:t> </a:t>
             </a:r>
             <a:r>
-              <a:rPr lang="en-US" altLang="zh-CN" dirty="0" err="1" smtClean="0"/>
+              <a:rPr lang="en-US" altLang="zh-CHS" dirty="0" err="1" smtClean="0"/>
               <a:t>Xu</a:t>
             </a:r>
-            <a:endParaRPr lang="en-US" altLang="zh-CN" dirty="0" smtClean="0"/>
-          </a:p>
-          <a:p>
-            <a:r>
-              <a:rPr lang="en-US" altLang="zh-CN" dirty="0" smtClean="0"/>
+            <a:endParaRPr lang="en-US" altLang="zh-CHS" dirty="0" smtClean="0"/>
+          </a:p>
+          <a:p>
+            <a:r>
+              <a:rPr lang="en-US" altLang="zh-CHS" dirty="0" smtClean="0"/>
               <a:t>E-mail: xu-cx12@mails.tsinghua.edu.cn</a:t>
             </a:r>
           </a:p>
           <a:p>
             <a:r>
-              <a:rPr lang="en-US" altLang="zh-CN" dirty="0" err="1" smtClean="0"/>
+              <a:rPr lang="en-US" altLang="zh-CHS" dirty="0" err="1" smtClean="0"/>
               <a:t>Cellphone</a:t>
             </a:r>
             <a:r>
-              <a:rPr lang="en-US" altLang="zh-CN" dirty="0" smtClean="0"/>
+              <a:rPr lang="en-US" altLang="zh-CHS" dirty="0" smtClean="0"/>
               <a:t>: 15120003845</a:t>
             </a:r>
-            <a:endParaRPr lang="zh-CN" altLang="en-US" dirty="0"/>
+            <a:endParaRPr lang="zh-CHS" altLang="en-US" dirty="0"/>
           </a:p>
         </p:txBody>
       </p:sp>
@@ -4745,28 +4761,28 @@
           <a:lstStyle/>
           <a:p>
             <a:r>
-              <a:rPr lang="en-US" altLang="zh-CN" dirty="0" smtClean="0"/>
+              <a:rPr lang="en-US" altLang="zh-CHS" dirty="0" smtClean="0"/>
               <a:t>How Model-View matrix works?</a:t>
             </a:r>
           </a:p>
           <a:p>
             <a:pPr lvl="1"/>
             <a:r>
-              <a:rPr lang="en-US" altLang="zh-CN" dirty="0" smtClean="0"/>
+              <a:rPr lang="en-US" altLang="zh-CHS" dirty="0" smtClean="0"/>
               <a:t>Current Status</a:t>
             </a:r>
           </a:p>
           <a:p>
             <a:pPr lvl="1"/>
             <a:r>
-              <a:rPr lang="en-US" altLang="zh-CN" dirty="0" smtClean="0"/>
+              <a:rPr lang="en-US" altLang="zh-CHS" dirty="0" smtClean="0"/>
               <a:t>Right Multiply</a:t>
             </a:r>
           </a:p>
           <a:p>
             <a:pPr lvl="2"/>
             <a:r>
-              <a:rPr lang="en-US" altLang="zh-CN" dirty="0" smtClean="0"/>
+              <a:rPr lang="en-US" altLang="zh-CHS" dirty="0" smtClean="0"/>
               <a:t>Intuitively, the order of function calls is opposite to the order of transformation!</a:t>
             </a:r>
           </a:p>
@@ -4788,10 +4804,10 @@
           <a:lstStyle/>
           <a:p>
             <a:r>
-              <a:rPr lang="en-US" altLang="zh-CN" dirty="0" smtClean="0"/>
+              <a:rPr lang="en-US" altLang="zh-CHS" dirty="0" smtClean="0"/>
               <a:t>Model-View matrix</a:t>
             </a:r>
-            <a:endParaRPr lang="zh-CN" altLang="en-US" dirty="0"/>
+            <a:endParaRPr lang="zh-CHS" altLang="en-US" dirty="0"/>
           </a:p>
         </p:txBody>
       </p:sp>
@@ -4903,7 +4919,7 @@
           <a:lstStyle/>
           <a:p>
             <a:pPr algn="ctr"/>
-            <a:endParaRPr lang="zh-CN" altLang="en-US"/>
+            <a:endParaRPr lang="zh-CHS" altLang="en-US"/>
           </a:p>
         </p:txBody>
       </p:sp>
@@ -5015,7 +5031,7 @@
           <a:lstStyle/>
           <a:p>
             <a:pPr algn="ctr"/>
-            <a:endParaRPr lang="zh-CN" altLang="en-US"/>
+            <a:endParaRPr lang="zh-CHS" altLang="en-US"/>
           </a:p>
         </p:txBody>
       </p:sp>
@@ -5475,21 +5491,21 @@
           <a:lstStyle/>
           <a:p>
             <a:r>
-              <a:rPr lang="en-US" altLang="zh-CN" dirty="0" smtClean="0"/>
+              <a:rPr lang="en-US" altLang="zh-CHS" dirty="0" smtClean="0"/>
               <a:t>The transformation pipeline of OpenGL</a:t>
             </a:r>
           </a:p>
           <a:p>
             <a:pPr lvl="1"/>
             <a:r>
-              <a:rPr lang="en-US" altLang="zh-CN" dirty="0" smtClean="0"/>
+              <a:rPr lang="en-US" altLang="zh-CHS" dirty="0" smtClean="0"/>
               <a:t>Model-View matrix</a:t>
             </a:r>
           </a:p>
           <a:p>
             <a:pPr lvl="1"/>
             <a:r>
-              <a:rPr lang="en-US" altLang="zh-CN" dirty="0" smtClean="0">
+              <a:rPr lang="en-US" altLang="zh-CHS" dirty="0" smtClean="0">
                 <a:solidFill>
                   <a:srgbClr val="FF0000"/>
                 </a:solidFill>
@@ -5500,7 +5516,7 @@
           <a:p>
             <a:pPr lvl="1"/>
             <a:r>
-              <a:rPr lang="en-US" altLang="zh-CN" dirty="0" smtClean="0"/>
+              <a:rPr lang="en-US" altLang="zh-CHS" dirty="0" smtClean="0"/>
               <a:t>Viewport transformation</a:t>
             </a:r>
           </a:p>
@@ -5524,10 +5540,10 @@
           <a:lstStyle/>
           <a:p>
             <a:r>
-              <a:rPr lang="en-US" altLang="zh-CN" sz="3600" dirty="0" smtClean="0"/>
+              <a:rPr lang="en-US" altLang="zh-CHS" sz="3600" dirty="0" smtClean="0"/>
               <a:t>Main techniques we need</a:t>
             </a:r>
-            <a:endParaRPr lang="zh-CN" altLang="en-US" sz="3600" dirty="0"/>
+            <a:endParaRPr lang="zh-CHS" altLang="en-US" sz="3600" dirty="0"/>
           </a:p>
         </p:txBody>
       </p:sp>
@@ -5582,10 +5598,10 @@
             <a:p>
               <a:pPr algn="ctr"/>
               <a:r>
-                <a:rPr lang="en-US" altLang="zh-CN" dirty="0" smtClean="0"/>
+                <a:rPr lang="en-US" altLang="zh-CHS" dirty="0" smtClean="0"/>
                 <a:t>Model-View matrix</a:t>
               </a:r>
-              <a:endParaRPr lang="zh-CN" altLang="en-US" dirty="0"/>
+              <a:endParaRPr lang="zh-CHS" altLang="en-US" dirty="0"/>
             </a:p>
           </p:txBody>
         </p:sp>
@@ -5626,10 +5642,10 @@
             <a:p>
               <a:pPr algn="ctr"/>
               <a:r>
-                <a:rPr lang="en-US" altLang="zh-CN" dirty="0" smtClean="0"/>
+                <a:rPr lang="en-US" altLang="zh-CHS" dirty="0" smtClean="0"/>
                 <a:t>Projection matrix</a:t>
               </a:r>
-              <a:endParaRPr lang="zh-CN" altLang="en-US" dirty="0"/>
+              <a:endParaRPr lang="zh-CHS" altLang="en-US" dirty="0"/>
             </a:p>
           </p:txBody>
         </p:sp>
@@ -5670,10 +5686,10 @@
             <a:p>
               <a:pPr algn="ctr"/>
               <a:r>
-                <a:rPr lang="en-US" altLang="zh-CN" dirty="0" smtClean="0"/>
+                <a:rPr lang="en-US" altLang="zh-CHS" dirty="0" smtClean="0"/>
                 <a:t>Viewport transformation</a:t>
               </a:r>
-              <a:endParaRPr lang="zh-CN" altLang="en-US" dirty="0"/>
+              <a:endParaRPr lang="zh-CHS" altLang="en-US" dirty="0"/>
             </a:p>
           </p:txBody>
         </p:sp>
@@ -5713,7 +5729,7 @@
             <a:lstStyle/>
             <a:p>
               <a:pPr algn="ctr"/>
-              <a:endParaRPr lang="zh-CN" altLang="en-US"/>
+              <a:endParaRPr lang="zh-CHS" altLang="en-US"/>
             </a:p>
           </p:txBody>
         </p:sp>
@@ -5753,7 +5769,7 @@
             <a:lstStyle/>
             <a:p>
               <a:pPr algn="ctr"/>
-              <a:endParaRPr lang="zh-CN" altLang="en-US"/>
+              <a:endParaRPr lang="zh-CHS" altLang="en-US"/>
             </a:p>
           </p:txBody>
         </p:sp>
@@ -5806,92 +5822,96 @@
           <a:lstStyle/>
           <a:p>
             <a:r>
-              <a:rPr lang="en-US" altLang="zh-CN" dirty="0" smtClean="0"/>
+              <a:rPr lang="en-US" altLang="zh-CHS" dirty="0" smtClean="0"/>
               <a:t>Two kinds of projections</a:t>
             </a:r>
           </a:p>
           <a:p>
             <a:pPr lvl="1"/>
             <a:r>
-              <a:rPr lang="en-US" altLang="zh-CN" dirty="0" smtClean="0"/>
+              <a:rPr lang="en-US" altLang="zh-CHS" dirty="0" smtClean="0"/>
               <a:t>Orthogonal Projection</a:t>
             </a:r>
           </a:p>
           <a:p>
             <a:pPr lvl="2"/>
             <a:r>
-              <a:rPr lang="en-US" altLang="zh-CN" b="1" dirty="0" err="1" smtClean="0"/>
+              <a:rPr lang="en-US" altLang="zh-CHS" b="1" dirty="0" err="1" smtClean="0"/>
               <a:t>glOrtho</a:t>
             </a:r>
             <a:r>
-              <a:rPr lang="en-US" altLang="zh-CN" b="1" dirty="0" smtClean="0"/>
+              <a:rPr lang="en-US" altLang="zh-CHS" b="1" dirty="0" smtClean="0"/>
               <a:t>(left, right, bottom, top, near, far)</a:t>
             </a:r>
           </a:p>
           <a:p>
             <a:pPr lvl="2"/>
-            <a:endParaRPr lang="en-US" altLang="zh-CN" b="1" dirty="0" smtClean="0"/>
+            <a:endParaRPr lang="en-US" altLang="zh-CHS" b="1" dirty="0" smtClean="0"/>
           </a:p>
           <a:p>
             <a:pPr lvl="1"/>
             <a:r>
-              <a:rPr lang="en-US" altLang="zh-CN" dirty="0" smtClean="0"/>
+              <a:rPr lang="en-US" altLang="zh-CHS" dirty="0" smtClean="0"/>
               <a:t>Perspective Projection</a:t>
             </a:r>
           </a:p>
           <a:p>
             <a:pPr lvl="2"/>
             <a:r>
-              <a:rPr lang="en-US" altLang="zh-CN" dirty="0" err="1" smtClean="0"/>
+              <a:rPr lang="en-US" altLang="zh-CHS" dirty="0" err="1" smtClean="0"/>
               <a:t>glFrustum</a:t>
             </a:r>
             <a:r>
-              <a:rPr lang="en-US" altLang="zh-CN" dirty="0" smtClean="0"/>
+              <a:rPr lang="en-US" altLang="zh-CHS" dirty="0" smtClean="0"/>
               <a:t>(left, right, bottom, top, near, far)</a:t>
             </a:r>
           </a:p>
           <a:p>
             <a:pPr lvl="3"/>
             <a:r>
-              <a:rPr lang="en-US" altLang="zh-CN" dirty="0" smtClean="0"/>
+              <a:rPr lang="en-US" altLang="zh-CHS" dirty="0" smtClean="0"/>
               <a:t>Not easy to use it right…</a:t>
             </a:r>
           </a:p>
           <a:p>
             <a:pPr lvl="2"/>
             <a:r>
-              <a:rPr lang="en-US" altLang="zh-CN" b="1" dirty="0" err="1" smtClean="0"/>
+              <a:rPr lang="en-US" altLang="zh-CHS" b="1" dirty="0" err="1" smtClean="0">
+                <a:solidFill>
+                  <a:srgbClr val="FF0000"/>
+                </a:solidFill>
+              </a:rPr>
               <a:t>gluPerspective</a:t>
             </a:r>
             <a:r>
-              <a:rPr lang="en-US" altLang="zh-CN" b="1" dirty="0" smtClean="0"/>
+              <a:rPr lang="en-US" altLang="zh-CHS" b="1" dirty="0" smtClean="0"/>
               <a:t>(</a:t>
             </a:r>
             <a:r>
-              <a:rPr lang="en-US" altLang="zh-CN" b="1" dirty="0" err="1" smtClean="0"/>
+              <a:rPr lang="en-US" altLang="zh-CHS" b="1" dirty="0" err="1" smtClean="0"/>
               <a:t>fovy</a:t>
             </a:r>
             <a:r>
-              <a:rPr lang="en-US" altLang="zh-CN" b="1" dirty="0" smtClean="0"/>
+              <a:rPr lang="en-US" altLang="zh-CHS" b="1" dirty="0" smtClean="0"/>
               <a:t>, aspect, </a:t>
             </a:r>
             <a:r>
-              <a:rPr lang="en-US" altLang="zh-CN" b="1" dirty="0" err="1" smtClean="0"/>
+              <a:rPr lang="en-US" altLang="zh-CHS" b="1" dirty="0" err="1" smtClean="0"/>
               <a:t>zNear</a:t>
             </a:r>
             <a:r>
-              <a:rPr lang="en-US" altLang="zh-CN" b="1" dirty="0" smtClean="0"/>
+              <a:rPr lang="en-US" altLang="zh-CHS" b="1" dirty="0" smtClean="0"/>
               <a:t>, </a:t>
             </a:r>
             <a:r>
-              <a:rPr lang="en-US" altLang="zh-CN" b="1" dirty="0" err="1" smtClean="0"/>
+              <a:rPr lang="en-US" altLang="zh-CHS" b="1" dirty="0" err="1" smtClean="0"/>
               <a:t>zFar</a:t>
             </a:r>
             <a:r>
-              <a:rPr lang="en-US" altLang="zh-CN" b="1" dirty="0" smtClean="0"/>
+              <a:rPr lang="en-US" altLang="zh-CHS" b="1" dirty="0" smtClean="0"/>
               <a:t>)</a:t>
             </a:r>
-            <a:endParaRPr lang="zh-CN" altLang="en-US" b="1" dirty="0"/>
+            <a:endParaRPr lang="zh-CHS" altLang="en-US" b="1" dirty="0"/>
           </a:p>
         </p:txBody>
       </p:sp>
@@ -5911,10 +5931,10 @@
           <a:lstStyle/>
           <a:p>
             <a:r>
-              <a:rPr lang="en-US" altLang="zh-CN" dirty="0" smtClean="0"/>
+              <a:rPr lang="en-US" altLang="zh-CHS" dirty="0" smtClean="0"/>
               <a:t>Projection matrix</a:t>
             </a:r>
-            <a:endParaRPr lang="zh-CN" altLang="en-US" dirty="0"/>
+            <a:endParaRPr lang="zh-CHS" altLang="en-US" dirty="0"/>
           </a:p>
         </p:txBody>
       </p:sp>
@@ -5966,10 +5986,10 @@
           <a:lstStyle/>
           <a:p>
             <a:r>
-              <a:rPr lang="en-US" altLang="zh-CN" dirty="0" smtClean="0"/>
+              <a:rPr lang="en-US" altLang="zh-CHS" dirty="0" smtClean="0"/>
               <a:t>Projection matrix</a:t>
             </a:r>
-            <a:endParaRPr lang="zh-CN" altLang="en-US" dirty="0"/>
+            <a:endParaRPr lang="zh-CHS" altLang="en-US" dirty="0"/>
           </a:p>
         </p:txBody>
       </p:sp>
@@ -6047,101 +6067,92 @@
           <a:lstStyle/>
           <a:p>
             <a:r>
-              <a:rPr lang="en-US" altLang="zh-CN" dirty="0" smtClean="0"/>
+              <a:rPr lang="en-US" altLang="zh-CHS" dirty="0" smtClean="0"/>
               <a:t>Some related operations on the matrices</a:t>
             </a:r>
           </a:p>
           <a:p>
-            <a:endParaRPr lang="en-US" altLang="zh-CN" dirty="0" smtClean="0"/>
-          </a:p>
-          <a:p>
-            <a:r>
-              <a:rPr lang="en-US" altLang="zh-CN" dirty="0" smtClean="0"/>
+            <a:endParaRPr lang="en-US" altLang="zh-CHS" dirty="0" smtClean="0"/>
+          </a:p>
+          <a:p>
+            <a:r>
+              <a:rPr lang="en-US" altLang="zh-CHS" dirty="0" smtClean="0"/>
               <a:t>Matrix Stack</a:t>
             </a:r>
           </a:p>
           <a:p>
             <a:pPr lvl="1"/>
             <a:r>
-              <a:rPr lang="en-US" altLang="zh-CN" dirty="0" err="1" smtClean="0"/>
+              <a:rPr lang="en-US" altLang="zh-CHS" dirty="0" err="1" smtClean="0"/>
               <a:t>glPushMatrix</a:t>
             </a:r>
             <a:r>
-              <a:rPr lang="en-US" altLang="zh-CN" dirty="0" smtClean="0"/>
+              <a:rPr lang="en-US" altLang="zh-CHS" dirty="0" smtClean="0"/>
               <a:t>()</a:t>
             </a:r>
           </a:p>
           <a:p>
             <a:pPr lvl="1"/>
             <a:r>
-              <a:rPr lang="en-US" altLang="zh-CN" dirty="0" err="1" smtClean="0"/>
+              <a:rPr lang="en-US" altLang="zh-CHS" dirty="0" err="1" smtClean="0"/>
               <a:t>glPopMatrix</a:t>
             </a:r>
             <a:r>
-              <a:rPr lang="en-US" altLang="zh-CN" dirty="0" smtClean="0"/>
+              <a:rPr lang="en-US" altLang="zh-CHS" dirty="0" smtClean="0"/>
               <a:t>()</a:t>
             </a:r>
           </a:p>
           <a:p>
             <a:pPr lvl="1"/>
-            <a:endParaRPr lang="en-US" altLang="zh-CN" dirty="0" smtClean="0"/>
-          </a:p>
-          <a:p>
-            <a:r>
-              <a:rPr lang="en-US" altLang="zh-CN" dirty="0" smtClean="0"/>
+            <a:endParaRPr lang="en-US" altLang="zh-CHS" dirty="0" smtClean="0"/>
+          </a:p>
+          <a:p>
+            <a:r>
+              <a:rPr lang="en-US" altLang="zh-CHS" dirty="0" smtClean="0"/>
               <a:t>Note</a:t>
             </a:r>
           </a:p>
           <a:p>
             <a:pPr lvl="1"/>
             <a:r>
-              <a:rPr lang="en-US" altLang="zh-CN" dirty="0" smtClean="0"/>
-              <a:t>Model-View matrix and Projection matrix share </a:t>
-            </a:r>
-            <a:r>
-              <a:rPr lang="en-US" altLang="zh-CN" dirty="0" smtClean="0"/>
-              <a:t>the </a:t>
-            </a:r>
-            <a:r>
-              <a:rPr lang="en-US" altLang="zh-CN" dirty="0" smtClean="0"/>
-              <a:t>same </a:t>
-            </a:r>
-            <a:r>
-              <a:rPr lang="en-US" altLang="zh-CN" dirty="0" smtClean="0"/>
-              <a:t>stack.</a:t>
-            </a:r>
-            <a:endParaRPr lang="en-US" altLang="zh-CN" dirty="0" smtClean="0"/>
+              <a:rPr lang="en-US" altLang="zh-CHS" dirty="0" smtClean="0">
+                <a:solidFill>
+                  <a:srgbClr val="FF0000"/>
+                </a:solidFill>
+              </a:rPr>
+              <a:t>Model-View matrix and Projection matrix share the same stack.</a:t>
+            </a:r>
           </a:p>
           <a:p>
             <a:pPr lvl="1"/>
             <a:r>
-              <a:rPr lang="en-US" altLang="zh-CN" dirty="0" smtClean="0"/>
+              <a:rPr lang="en-US" altLang="zh-CHS" dirty="0" smtClean="0"/>
               <a:t>Make sure you know which kind of matrix you’re pushing/</a:t>
             </a:r>
             <a:r>
-              <a:rPr lang="en-US" altLang="zh-CN" dirty="0" err="1" smtClean="0"/>
+              <a:rPr lang="en-US" altLang="zh-CHS" dirty="0" err="1" smtClean="0"/>
               <a:t>poping</a:t>
             </a:r>
-            <a:endParaRPr lang="en-US" altLang="zh-CN" dirty="0" smtClean="0"/>
+            <a:endParaRPr lang="en-US" altLang="zh-CHS" dirty="0" smtClean="0"/>
           </a:p>
           <a:p>
             <a:pPr lvl="2"/>
             <a:r>
-              <a:rPr lang="en-US" altLang="zh-CN" dirty="0" smtClean="0"/>
+              <a:rPr lang="en-US" altLang="zh-CHS" dirty="0" smtClean="0"/>
               <a:t>If you’re not sure, just use </a:t>
             </a:r>
             <a:r>
-              <a:rPr lang="en-US" altLang="zh-CN" dirty="0" err="1" smtClean="0"/>
+              <a:rPr lang="en-US" altLang="zh-CHS" dirty="0" err="1" smtClean="0"/>
               <a:t>glMatrixMode</a:t>
             </a:r>
             <a:r>
-              <a:rPr lang="en-US" altLang="zh-CN" dirty="0" smtClean="0"/>
+              <a:rPr lang="en-US" altLang="zh-CHS" dirty="0" smtClean="0"/>
               <a:t>() anyway (with GL_MODELVIEW/GL_PROJECTION as parameter).</a:t>
             </a:r>
           </a:p>
           <a:p>
             <a:pPr lvl="1"/>
-            <a:endParaRPr lang="zh-CN" altLang="en-US" dirty="0"/>
+            <a:endParaRPr lang="zh-CHS" altLang="en-US" dirty="0"/>
           </a:p>
         </p:txBody>
       </p:sp>
@@ -6161,10 +6172,10 @@
           <a:lstStyle/>
           <a:p>
             <a:r>
-              <a:rPr lang="en-US" altLang="zh-CN" dirty="0" smtClean="0"/>
+              <a:rPr lang="en-US" altLang="zh-CHS" dirty="0" smtClean="0"/>
               <a:t>Projection matrix</a:t>
             </a:r>
-            <a:endParaRPr lang="zh-CN" altLang="en-US" dirty="0"/>
+            <a:endParaRPr lang="zh-CHS" altLang="en-US" dirty="0"/>
           </a:p>
         </p:txBody>
       </p:sp>
@@ -6216,36 +6227,36 @@
           <a:lstStyle/>
           <a:p>
             <a:r>
-              <a:rPr lang="en-US" altLang="zh-CN" dirty="0" smtClean="0"/>
+              <a:rPr lang="en-US" altLang="zh-CHS" dirty="0" smtClean="0"/>
               <a:t>Reset</a:t>
             </a:r>
           </a:p>
           <a:p>
             <a:pPr lvl="1"/>
             <a:r>
-              <a:rPr lang="en-US" altLang="zh-CN" b="1" dirty="0" err="1" smtClean="0"/>
+              <a:rPr lang="en-US" altLang="zh-CHS" b="1" dirty="0" err="1" smtClean="0"/>
               <a:t>glLoadIdentity</a:t>
             </a:r>
             <a:r>
-              <a:rPr lang="en-US" altLang="zh-CN" b="1" dirty="0" smtClean="0"/>
+              <a:rPr lang="en-US" altLang="zh-CHS" b="1" dirty="0" smtClean="0"/>
               <a:t>()</a:t>
             </a:r>
           </a:p>
           <a:p>
             <a:pPr lvl="2"/>
             <a:r>
-              <a:rPr lang="en-US" altLang="zh-CN" dirty="0" smtClean="0"/>
+              <a:rPr lang="en-US" altLang="zh-CHS" dirty="0" smtClean="0"/>
               <a:t>Reset the matrix</a:t>
             </a:r>
           </a:p>
           <a:p>
             <a:pPr lvl="2"/>
-            <a:endParaRPr lang="en-US" altLang="zh-CN" dirty="0" smtClean="0"/>
+            <a:endParaRPr lang="en-US" altLang="zh-CHS" dirty="0" smtClean="0"/>
           </a:p>
           <a:p>
             <a:pPr lvl="1"/>
             <a:r>
-              <a:rPr lang="en-US" altLang="zh-CN" dirty="0" smtClean="0"/>
+              <a:rPr lang="en-US" altLang="zh-CHS" dirty="0" smtClean="0"/>
               <a:t>Again, you need to make sure which kind of matrix you are operating.</a:t>
             </a:r>
           </a:p>
@@ -6267,10 +6278,10 @@
           <a:lstStyle/>
           <a:p>
             <a:r>
-              <a:rPr lang="en-US" altLang="zh-CN" dirty="0" smtClean="0"/>
+              <a:rPr lang="en-US" altLang="zh-CHS" dirty="0" smtClean="0"/>
               <a:t>Projection matrix</a:t>
             </a:r>
-            <a:endParaRPr lang="zh-CN" altLang="en-US" dirty="0"/>
+            <a:endParaRPr lang="zh-CHS" altLang="en-US" dirty="0"/>
           </a:p>
         </p:txBody>
       </p:sp>
@@ -6322,112 +6333,112 @@
           <a:lstStyle/>
           <a:p>
             <a:r>
-              <a:rPr lang="en-US" altLang="zh-CN" dirty="0" smtClean="0"/>
+              <a:rPr lang="en-US" altLang="zh-CHS" dirty="0" smtClean="0"/>
               <a:t>Retrieval</a:t>
             </a:r>
           </a:p>
           <a:p>
             <a:pPr lvl="1"/>
             <a:r>
-              <a:rPr lang="en-US" altLang="zh-CN" b="1" dirty="0" err="1" smtClean="0"/>
+              <a:rPr lang="en-US" altLang="zh-CHS" b="1" dirty="0" err="1" smtClean="0"/>
               <a:t>glGetDoublev</a:t>
             </a:r>
             <a:r>
-              <a:rPr lang="en-US" altLang="zh-CN" b="1" dirty="0" smtClean="0"/>
+              <a:rPr lang="en-US" altLang="zh-CHS" b="1" dirty="0" smtClean="0"/>
               <a:t>(</a:t>
             </a:r>
             <a:r>
-              <a:rPr lang="en-US" altLang="zh-CN" b="1" dirty="0" err="1" smtClean="0"/>
+              <a:rPr lang="en-US" altLang="zh-CHS" b="1" dirty="0" err="1" smtClean="0"/>
               <a:t>GLenum</a:t>
             </a:r>
             <a:r>
-              <a:rPr lang="en-US" altLang="zh-CN" b="1" dirty="0" smtClean="0"/>
+              <a:rPr lang="en-US" altLang="zh-CHS" b="1" dirty="0" smtClean="0"/>
               <a:t> </a:t>
             </a:r>
             <a:r>
-              <a:rPr lang="en-US" altLang="zh-CN" b="1" dirty="0" err="1" smtClean="0"/>
+              <a:rPr lang="en-US" altLang="zh-CHS" b="1" dirty="0" err="1" smtClean="0"/>
               <a:t>pname</a:t>
             </a:r>
             <a:r>
-              <a:rPr lang="en-US" altLang="zh-CN" b="1" dirty="0" smtClean="0"/>
+              <a:rPr lang="en-US" altLang="zh-CHS" b="1" dirty="0" smtClean="0"/>
               <a:t>, </a:t>
             </a:r>
             <a:r>
-              <a:rPr lang="en-US" altLang="zh-CN" b="1" dirty="0" err="1" smtClean="0"/>
+              <a:rPr lang="en-US" altLang="zh-CHS" b="1" dirty="0" err="1" smtClean="0"/>
               <a:t>GLboolean</a:t>
             </a:r>
             <a:r>
-              <a:rPr lang="en-US" altLang="zh-CN" b="1" dirty="0" smtClean="0"/>
+              <a:rPr lang="en-US" altLang="zh-CHS" b="1" dirty="0" smtClean="0"/>
               <a:t> *</a:t>
             </a:r>
             <a:r>
-              <a:rPr lang="en-US" altLang="zh-CN" b="1" dirty="0" err="1" smtClean="0"/>
+              <a:rPr lang="en-US" altLang="zh-CHS" b="1" dirty="0" err="1" smtClean="0"/>
               <a:t>params</a:t>
             </a:r>
             <a:r>
-              <a:rPr lang="en-US" altLang="zh-CN" b="1" dirty="0" smtClean="0"/>
+              <a:rPr lang="en-US" altLang="zh-CHS" b="1" dirty="0" smtClean="0"/>
               <a:t>)</a:t>
             </a:r>
           </a:p>
           <a:p>
             <a:pPr lvl="2"/>
             <a:r>
-              <a:rPr lang="en-US" altLang="zh-CN" dirty="0" smtClean="0"/>
+              <a:rPr lang="en-US" altLang="zh-CHS" dirty="0" smtClean="0"/>
               <a:t>Get parameters in OpenGL</a:t>
             </a:r>
           </a:p>
           <a:p>
             <a:pPr lvl="2"/>
             <a:r>
-              <a:rPr lang="en-US" altLang="zh-CN" dirty="0" err="1" smtClean="0"/>
+              <a:rPr lang="en-US" altLang="zh-CHS" dirty="0" err="1" smtClean="0"/>
               <a:t>pname</a:t>
             </a:r>
-            <a:endParaRPr lang="en-US" altLang="zh-CN" dirty="0" smtClean="0"/>
+            <a:endParaRPr lang="en-US" altLang="zh-CHS" dirty="0" smtClean="0"/>
           </a:p>
           <a:p>
             <a:pPr lvl="3"/>
             <a:r>
-              <a:rPr lang="en-US" altLang="zh-CN" dirty="0" smtClean="0"/>
+              <a:rPr lang="en-US" altLang="zh-CHS" dirty="0" smtClean="0"/>
               <a:t>GL_MODELVIEW_MATRIX</a:t>
             </a:r>
           </a:p>
           <a:p>
             <a:pPr lvl="3"/>
             <a:r>
-              <a:rPr lang="en-US" altLang="zh-CN" dirty="0" smtClean="0"/>
+              <a:rPr lang="en-US" altLang="zh-CHS" dirty="0" smtClean="0"/>
               <a:t>GL_PROJECTION_MATRIX</a:t>
             </a:r>
           </a:p>
           <a:p>
             <a:pPr lvl="2"/>
             <a:r>
-              <a:rPr lang="en-US" altLang="zh-CN" dirty="0" err="1" smtClean="0"/>
+              <a:rPr lang="en-US" altLang="zh-CHS" dirty="0" err="1" smtClean="0"/>
               <a:t>params</a:t>
             </a:r>
-            <a:endParaRPr lang="en-US" altLang="zh-CN" dirty="0" smtClean="0"/>
+            <a:endParaRPr lang="en-US" altLang="zh-CHS" dirty="0" smtClean="0"/>
           </a:p>
           <a:p>
             <a:pPr lvl="3"/>
             <a:r>
-              <a:rPr lang="en-US" altLang="zh-CN" dirty="0" err="1" smtClean="0"/>
+              <a:rPr lang="en-US" altLang="zh-CHS" dirty="0" err="1" smtClean="0"/>
               <a:t>Gldouble</a:t>
             </a:r>
             <a:r>
-              <a:rPr lang="en-US" altLang="zh-CN" dirty="0" smtClean="0"/>
+              <a:rPr lang="en-US" altLang="zh-CHS" dirty="0" smtClean="0"/>
               <a:t> </a:t>
             </a:r>
             <a:r>
-              <a:rPr lang="en-US" altLang="zh-CN" i="1" dirty="0" err="1" smtClean="0"/>
+              <a:rPr lang="en-US" altLang="zh-CHS" i="1" dirty="0" err="1" smtClean="0"/>
               <a:t>paramname</a:t>
             </a:r>
             <a:r>
-              <a:rPr lang="en-US" altLang="zh-CN" dirty="0" smtClean="0"/>
+              <a:rPr lang="en-US" altLang="zh-CHS" dirty="0" smtClean="0"/>
               <a:t>[16]</a:t>
             </a:r>
           </a:p>
           <a:p>
             <a:pPr lvl="3"/>
-            <a:endParaRPr lang="en-US" altLang="zh-CN" dirty="0" smtClean="0"/>
+            <a:endParaRPr lang="en-US" altLang="zh-CHS" dirty="0" smtClean="0"/>
           </a:p>
         </p:txBody>
       </p:sp>
@@ -6447,10 +6458,10 @@
           <a:lstStyle/>
           <a:p>
             <a:r>
-              <a:rPr lang="en-US" altLang="zh-CN" dirty="0" smtClean="0"/>
+              <a:rPr lang="en-US" altLang="zh-CHS" dirty="0" smtClean="0"/>
               <a:t>Projection matrix</a:t>
             </a:r>
-            <a:endParaRPr lang="zh-CN" altLang="en-US" dirty="0"/>
+            <a:endParaRPr lang="zh-CHS" altLang="en-US" dirty="0"/>
           </a:p>
         </p:txBody>
       </p:sp>
@@ -6504,118 +6515,118 @@
           <a:lstStyle/>
           <a:p>
             <a:r>
-              <a:rPr lang="en-US" altLang="zh-CN" dirty="0" smtClean="0"/>
+              <a:rPr lang="en-US" altLang="zh-CHS" dirty="0" smtClean="0"/>
               <a:t>Set/Multiply</a:t>
             </a:r>
           </a:p>
           <a:p>
             <a:pPr lvl="1"/>
             <a:r>
-              <a:rPr lang="en-US" altLang="zh-CN" b="1" dirty="0" err="1" smtClean="0"/>
+              <a:rPr lang="en-US" altLang="zh-CHS" b="1" dirty="0" err="1" smtClean="0"/>
               <a:t>glLoadMatrixd</a:t>
             </a:r>
             <a:r>
-              <a:rPr lang="en-US" altLang="zh-CN" b="1" dirty="0" smtClean="0"/>
+              <a:rPr lang="en-US" altLang="zh-CHS" b="1" dirty="0" smtClean="0"/>
               <a:t>(</a:t>
             </a:r>
             <a:r>
-              <a:rPr lang="en-US" altLang="zh-CN" b="1" dirty="0" err="1" smtClean="0"/>
+              <a:rPr lang="en-US" altLang="zh-CHS" b="1" dirty="0" err="1" smtClean="0"/>
               <a:t>GLdouble</a:t>
             </a:r>
             <a:r>
-              <a:rPr lang="en-US" altLang="zh-CN" b="1" dirty="0" smtClean="0"/>
+              <a:rPr lang="en-US" altLang="zh-CHS" b="1" dirty="0" smtClean="0"/>
               <a:t>  *m)</a:t>
             </a:r>
           </a:p>
           <a:p>
             <a:pPr lvl="2"/>
             <a:r>
-              <a:rPr lang="en-US" altLang="zh-CN" dirty="0" smtClean="0"/>
+              <a:rPr lang="en-US" altLang="zh-CHS" dirty="0" smtClean="0"/>
               <a:t>Set matrix</a:t>
             </a:r>
           </a:p>
           <a:p>
             <a:pPr lvl="3"/>
             <a:r>
-              <a:rPr lang="en-US" altLang="zh-CN" dirty="0" err="1" smtClean="0"/>
+              <a:rPr lang="en-US" altLang="zh-CHS" dirty="0" err="1" smtClean="0"/>
               <a:t>GLdouble</a:t>
             </a:r>
             <a:r>
-              <a:rPr lang="en-US" altLang="zh-CN" dirty="0" smtClean="0"/>
+              <a:rPr lang="en-US" altLang="zh-CHS" dirty="0" smtClean="0"/>
               <a:t> </a:t>
             </a:r>
             <a:r>
-              <a:rPr lang="en-US" altLang="zh-CN" i="1" dirty="0" err="1" smtClean="0"/>
+              <a:rPr lang="en-US" altLang="zh-CHS" i="1" dirty="0" err="1" smtClean="0"/>
               <a:t>paramname</a:t>
             </a:r>
             <a:r>
-              <a:rPr lang="en-US" altLang="zh-CN" dirty="0" smtClean="0"/>
+              <a:rPr lang="en-US" altLang="zh-CHS" dirty="0" smtClean="0"/>
               <a:t>[16]</a:t>
             </a:r>
           </a:p>
           <a:p>
             <a:pPr lvl="3"/>
-            <a:endParaRPr lang="en-US" altLang="zh-CN" dirty="0" smtClean="0"/>
+            <a:endParaRPr lang="en-US" altLang="zh-CHS" dirty="0" smtClean="0"/>
           </a:p>
           <a:p>
             <a:pPr lvl="1"/>
             <a:r>
-              <a:rPr lang="en-US" altLang="zh-CN" b="1" dirty="0" err="1" smtClean="0"/>
+              <a:rPr lang="en-US" altLang="zh-CHS" b="1" dirty="0" err="1" smtClean="0"/>
               <a:t>glMultMatrixd</a:t>
             </a:r>
             <a:r>
-              <a:rPr lang="en-US" altLang="zh-CN" b="1" dirty="0" smtClean="0"/>
+              <a:rPr lang="en-US" altLang="zh-CHS" b="1" dirty="0" smtClean="0"/>
               <a:t>(</a:t>
             </a:r>
             <a:r>
-              <a:rPr lang="en-US" altLang="zh-CN" b="1" dirty="0" err="1" smtClean="0"/>
+              <a:rPr lang="en-US" altLang="zh-CHS" b="1" dirty="0" err="1" smtClean="0"/>
               <a:t>Gldouble</a:t>
             </a:r>
             <a:r>
-              <a:rPr lang="en-US" altLang="zh-CN" b="1" dirty="0" smtClean="0"/>
+              <a:rPr lang="en-US" altLang="zh-CHS" b="1" dirty="0" smtClean="0"/>
               <a:t> * m)</a:t>
             </a:r>
           </a:p>
           <a:p>
             <a:pPr lvl="2"/>
             <a:r>
-              <a:rPr lang="en-US" altLang="zh-CN" dirty="0" smtClean="0"/>
+              <a:rPr lang="en-US" altLang="zh-CHS" dirty="0" smtClean="0"/>
               <a:t>Right multiply</a:t>
             </a:r>
           </a:p>
           <a:p>
             <a:pPr lvl="3"/>
             <a:r>
-              <a:rPr lang="en-US" altLang="zh-CN" dirty="0" err="1" smtClean="0"/>
+              <a:rPr lang="en-US" altLang="zh-CHS" dirty="0" err="1" smtClean="0"/>
               <a:t>GLdouble</a:t>
             </a:r>
             <a:r>
-              <a:rPr lang="en-US" altLang="zh-CN" dirty="0" smtClean="0"/>
+              <a:rPr lang="en-US" altLang="zh-CHS" dirty="0" smtClean="0"/>
               <a:t> </a:t>
             </a:r>
             <a:r>
-              <a:rPr lang="en-US" altLang="zh-CN" i="1" dirty="0" err="1" smtClean="0"/>
+              <a:rPr lang="en-US" altLang="zh-CHS" i="1" dirty="0" err="1" smtClean="0"/>
               <a:t>paramname</a:t>
             </a:r>
             <a:r>
-              <a:rPr lang="en-US" altLang="zh-CN" dirty="0" smtClean="0"/>
+              <a:rPr lang="en-US" altLang="zh-CHS" dirty="0" smtClean="0"/>
               <a:t>[16]</a:t>
             </a:r>
           </a:p>
           <a:p>
             <a:pPr lvl="2"/>
-            <a:endParaRPr lang="en-US" altLang="zh-CN" dirty="0" smtClean="0"/>
+            <a:endParaRPr lang="en-US" altLang="zh-CHS" dirty="0" smtClean="0"/>
           </a:p>
           <a:p>
             <a:pPr lvl="2"/>
             <a:r>
-              <a:rPr lang="en-US" altLang="zh-CN" dirty="0" smtClean="0"/>
+              <a:rPr lang="en-US" altLang="zh-CHS" dirty="0" smtClean="0"/>
               <a:t>Again, make sure which matrix you are loading &amp; multiplying with…</a:t>
             </a:r>
           </a:p>
           <a:p>
             <a:pPr lvl="3"/>
-            <a:endParaRPr lang="en-US" altLang="zh-CN" dirty="0" smtClean="0"/>
+            <a:endParaRPr lang="en-US" altLang="zh-CHS" dirty="0" smtClean="0"/>
           </a:p>
         </p:txBody>
       </p:sp>
@@ -6635,10 +6646,10 @@
           <a:lstStyle/>
           <a:p>
             <a:r>
-              <a:rPr lang="en-US" altLang="zh-CN" dirty="0" smtClean="0"/>
+              <a:rPr lang="en-US" altLang="zh-CHS" dirty="0" smtClean="0"/>
               <a:t>Projection matrix</a:t>
             </a:r>
-            <a:endParaRPr lang="zh-CN" altLang="en-US" dirty="0"/>
+            <a:endParaRPr lang="zh-CHS" altLang="en-US" dirty="0"/>
           </a:p>
         </p:txBody>
       </p:sp>
@@ -6690,28 +6701,28 @@
           <a:lstStyle/>
           <a:p>
             <a:r>
-              <a:rPr lang="en-US" altLang="zh-CN" dirty="0" smtClean="0"/>
+              <a:rPr lang="en-US" altLang="zh-CHS" dirty="0" smtClean="0"/>
               <a:t>The transformation pipeline of OpenGL</a:t>
             </a:r>
           </a:p>
           <a:p>
             <a:pPr lvl="1"/>
             <a:r>
-              <a:rPr lang="en-US" altLang="zh-CN" dirty="0" smtClean="0"/>
+              <a:rPr lang="en-US" altLang="zh-CHS" dirty="0" smtClean="0"/>
               <a:t>Model-View matrix</a:t>
             </a:r>
           </a:p>
           <a:p>
             <a:pPr lvl="1"/>
             <a:r>
-              <a:rPr lang="en-US" altLang="zh-CN" dirty="0" smtClean="0"/>
+              <a:rPr lang="en-US" altLang="zh-CHS" dirty="0" smtClean="0"/>
               <a:t>Projection matrix</a:t>
             </a:r>
           </a:p>
           <a:p>
             <a:pPr lvl="1"/>
             <a:r>
-              <a:rPr lang="en-US" altLang="zh-CN" dirty="0" smtClean="0">
+              <a:rPr lang="en-US" altLang="zh-CHS" dirty="0" smtClean="0">
                 <a:solidFill>
                   <a:srgbClr val="FF0000"/>
                 </a:solidFill>
@@ -6739,10 +6750,10 @@
           <a:lstStyle/>
           <a:p>
             <a:r>
-              <a:rPr lang="en-US" altLang="zh-CN" sz="3600" dirty="0" smtClean="0"/>
+              <a:rPr lang="en-US" altLang="zh-CHS" sz="3600" dirty="0" smtClean="0"/>
               <a:t>Main techniques we need</a:t>
             </a:r>
-            <a:endParaRPr lang="zh-CN" altLang="en-US" sz="3600" dirty="0"/>
+            <a:endParaRPr lang="zh-CHS" altLang="en-US" sz="3600" dirty="0"/>
           </a:p>
         </p:txBody>
       </p:sp>
@@ -6797,10 +6808,10 @@
             <a:p>
               <a:pPr algn="ctr"/>
               <a:r>
-                <a:rPr lang="en-US" altLang="zh-CN" dirty="0" smtClean="0"/>
+                <a:rPr lang="en-US" altLang="zh-CHS" dirty="0" smtClean="0"/>
                 <a:t>Model-View matrix</a:t>
               </a:r>
-              <a:endParaRPr lang="zh-CN" altLang="en-US" dirty="0"/>
+              <a:endParaRPr lang="zh-CHS" altLang="en-US" dirty="0"/>
             </a:p>
           </p:txBody>
         </p:sp>
@@ -6841,10 +6852,10 @@
             <a:p>
               <a:pPr algn="ctr"/>
               <a:r>
-                <a:rPr lang="en-US" altLang="zh-CN" dirty="0" smtClean="0"/>
+                <a:rPr lang="en-US" altLang="zh-CHS" dirty="0" smtClean="0"/>
                 <a:t>Projection matrix</a:t>
               </a:r>
-              <a:endParaRPr lang="zh-CN" altLang="en-US" dirty="0"/>
+              <a:endParaRPr lang="zh-CHS" altLang="en-US" dirty="0"/>
             </a:p>
           </p:txBody>
         </p:sp>
@@ -6885,10 +6896,10 @@
             <a:p>
               <a:pPr algn="ctr"/>
               <a:r>
-                <a:rPr lang="en-US" altLang="zh-CN" dirty="0" smtClean="0"/>
+                <a:rPr lang="en-US" altLang="zh-CHS" dirty="0" smtClean="0"/>
                 <a:t>Viewport transformation</a:t>
               </a:r>
-              <a:endParaRPr lang="zh-CN" altLang="en-US" dirty="0"/>
+              <a:endParaRPr lang="zh-CHS" altLang="en-US" dirty="0"/>
             </a:p>
           </p:txBody>
         </p:sp>
@@ -6928,7 +6939,7 @@
             <a:lstStyle/>
             <a:p>
               <a:pPr algn="ctr"/>
-              <a:endParaRPr lang="zh-CN" altLang="en-US"/>
+              <a:endParaRPr lang="zh-CHS" altLang="en-US"/>
             </a:p>
           </p:txBody>
         </p:sp>
@@ -6968,7 +6979,7 @@
             <a:lstStyle/>
             <a:p>
               <a:pPr algn="ctr"/>
-              <a:endParaRPr lang="zh-CN" altLang="en-US"/>
+              <a:endParaRPr lang="zh-CHS" altLang="en-US"/>
             </a:p>
           </p:txBody>
         </p:sp>
@@ -7021,31 +7032,31 @@
           <a:lstStyle/>
           <a:p>
             <a:r>
-              <a:rPr lang="en-US" altLang="zh-CN" dirty="0" smtClean="0"/>
+              <a:rPr lang="en-US" altLang="zh-CHS" dirty="0" smtClean="0"/>
               <a:t>Map from </a:t>
             </a:r>
             <a:r>
-              <a:rPr lang="en-US" altLang="zh-CN" b="1" dirty="0" smtClean="0"/>
+              <a:rPr lang="en-US" altLang="zh-CHS" b="1" dirty="0" smtClean="0"/>
               <a:t>project plane </a:t>
             </a:r>
             <a:r>
-              <a:rPr lang="en-US" altLang="zh-CN" dirty="0" smtClean="0"/>
+              <a:rPr lang="en-US" altLang="zh-CHS" dirty="0" smtClean="0"/>
               <a:t>to </a:t>
             </a:r>
             <a:r>
-              <a:rPr lang="en-US" altLang="zh-CN" b="1" dirty="0" smtClean="0"/>
+              <a:rPr lang="en-US" altLang="zh-CHS" b="1" dirty="0" smtClean="0"/>
               <a:t>screen</a:t>
             </a:r>
-            <a:endParaRPr lang="en-US" altLang="zh-CN" dirty="0" smtClean="0"/>
+            <a:endParaRPr lang="en-US" altLang="zh-CHS" dirty="0" smtClean="0"/>
           </a:p>
           <a:p>
             <a:pPr lvl="1"/>
             <a:r>
-              <a:rPr lang="en-US" altLang="zh-CN" dirty="0" err="1" smtClean="0"/>
+              <a:rPr lang="en-US" altLang="zh-CHS" dirty="0" err="1" smtClean="0"/>
               <a:t>glViewport</a:t>
             </a:r>
             <a:r>
-              <a:rPr lang="en-US" altLang="zh-CN" dirty="0" smtClean="0"/>
+              <a:rPr lang="en-US" altLang="zh-CHS" dirty="0" smtClean="0"/>
               <a:t>(x, y, width, height)</a:t>
             </a:r>
           </a:p>
@@ -7069,10 +7080,10 @@
           <a:lstStyle/>
           <a:p>
             <a:r>
-              <a:rPr lang="en-US" altLang="zh-CN" sz="3600" dirty="0" smtClean="0"/>
+              <a:rPr lang="en-US" altLang="zh-CHS" sz="3600" dirty="0" smtClean="0"/>
               <a:t>Viewport transformation</a:t>
             </a:r>
-            <a:endParaRPr lang="zh-CN" altLang="en-US" sz="3600" dirty="0"/>
+            <a:endParaRPr lang="zh-CHS" altLang="en-US" sz="3600" dirty="0"/>
           </a:p>
         </p:txBody>
       </p:sp>
@@ -7110,7 +7121,7 @@
           <a:lstStyle/>
           <a:p>
             <a:pPr algn="ctr"/>
-            <a:endParaRPr lang="zh-CN" altLang="en-US"/>
+            <a:endParaRPr lang="zh-CHS" altLang="en-US"/>
           </a:p>
         </p:txBody>
       </p:sp>
@@ -7148,7 +7159,7 @@
           <a:lstStyle/>
           <a:p>
             <a:pPr algn="ctr"/>
-            <a:endParaRPr lang="zh-CN" altLang="en-US"/>
+            <a:endParaRPr lang="zh-CHS" altLang="en-US"/>
           </a:p>
         </p:txBody>
       </p:sp>
@@ -7208,10 +7219,10 @@
           <a:lstStyle/>
           <a:p>
             <a:r>
-              <a:rPr lang="en-US" altLang="zh-CN" dirty="0" smtClean="0"/>
+              <a:rPr lang="en-US" altLang="zh-CHS" dirty="0" smtClean="0"/>
               <a:t>(x, y)</a:t>
             </a:r>
-            <a:endParaRPr lang="zh-CN" altLang="en-US" dirty="0"/>
+            <a:endParaRPr lang="zh-CHS" altLang="en-US" dirty="0"/>
           </a:p>
         </p:txBody>
       </p:sp>
@@ -7310,10 +7321,10 @@
           <a:lstStyle/>
           <a:p>
             <a:r>
-              <a:rPr lang="en-US" altLang="zh-CN" dirty="0" smtClean="0"/>
+              <a:rPr lang="en-US" altLang="zh-CHS" dirty="0" smtClean="0"/>
               <a:t>x</a:t>
             </a:r>
-            <a:endParaRPr lang="zh-CN" altLang="en-US" dirty="0"/>
+            <a:endParaRPr lang="zh-CHS" altLang="en-US" dirty="0"/>
           </a:p>
         </p:txBody>
       </p:sp>
@@ -7340,10 +7351,10 @@
           <a:lstStyle/>
           <a:p>
             <a:r>
-              <a:rPr lang="en-US" altLang="zh-CN" dirty="0" smtClean="0"/>
+              <a:rPr lang="en-US" altLang="zh-CHS" dirty="0" smtClean="0"/>
               <a:t>y</a:t>
             </a:r>
-            <a:endParaRPr lang="zh-CN" altLang="en-US" dirty="0"/>
+            <a:endParaRPr lang="zh-CHS" altLang="en-US" dirty="0"/>
           </a:p>
         </p:txBody>
       </p:sp>
@@ -7385,7 +7396,7 @@
           <a:lstStyle/>
           <a:p>
             <a:pPr algn="ctr"/>
-            <a:endParaRPr lang="zh-CN" altLang="en-US"/>
+            <a:endParaRPr lang="zh-CHS" altLang="en-US"/>
           </a:p>
         </p:txBody>
       </p:sp>
@@ -7412,10 +7423,10 @@
           <a:lstStyle/>
           <a:p>
             <a:r>
-              <a:rPr lang="en-US" altLang="zh-CN" dirty="0" smtClean="0"/>
+              <a:rPr lang="en-US" altLang="zh-CHS" dirty="0" smtClean="0"/>
               <a:t>width</a:t>
             </a:r>
-            <a:endParaRPr lang="zh-CN" altLang="en-US" dirty="0"/>
+            <a:endParaRPr lang="zh-CHS" altLang="en-US" dirty="0"/>
           </a:p>
         </p:txBody>
       </p:sp>
@@ -7454,7 +7465,7 @@
           <a:lstStyle/>
           <a:p>
             <a:pPr algn="ctr"/>
-            <a:endParaRPr lang="zh-CN" altLang="en-US"/>
+            <a:endParaRPr lang="zh-CHS" altLang="en-US"/>
           </a:p>
         </p:txBody>
       </p:sp>
@@ -7481,10 +7492,10 @@
           <a:lstStyle/>
           <a:p>
             <a:r>
-              <a:rPr lang="en-US" altLang="zh-CN" dirty="0" smtClean="0"/>
+              <a:rPr lang="en-US" altLang="zh-CHS" dirty="0" smtClean="0"/>
               <a:t>height</a:t>
             </a:r>
-            <a:endParaRPr lang="zh-CN" altLang="en-US" dirty="0"/>
+            <a:endParaRPr lang="zh-CHS" altLang="en-US" dirty="0"/>
           </a:p>
         </p:txBody>
       </p:sp>
@@ -7536,7 +7547,7 @@
           <a:lstStyle/>
           <a:p>
             <a:r>
-              <a:rPr lang="en-US" altLang="zh-CN" dirty="0" smtClean="0">
+              <a:rPr lang="en-US" altLang="zh-CHS" dirty="0" smtClean="0">
                 <a:solidFill>
                   <a:srgbClr val="FF0000"/>
                 </a:solidFill>
@@ -7546,13 +7557,13 @@
           </a:p>
           <a:p>
             <a:r>
-              <a:rPr lang="en-US" altLang="zh-CN" dirty="0" smtClean="0"/>
+              <a:rPr lang="en-US" altLang="zh-CHS" dirty="0" smtClean="0"/>
               <a:t>Main techniques we need</a:t>
             </a:r>
           </a:p>
           <a:p>
             <a:r>
-              <a:rPr lang="en-US" altLang="zh-CN" dirty="0" smtClean="0"/>
+              <a:rPr lang="en-US" altLang="zh-CHS" dirty="0" smtClean="0"/>
               <a:t>Exercise time &amp; Some more (Optional)</a:t>
             </a:r>
           </a:p>
@@ -7574,10 +7585,10 @@
           <a:lstStyle/>
           <a:p>
             <a:r>
-              <a:rPr lang="en-US" altLang="zh-CN" dirty="0" smtClean="0"/>
+              <a:rPr lang="en-US" altLang="zh-CHS" dirty="0" smtClean="0"/>
               <a:t>Week 3</a:t>
             </a:r>
-            <a:endParaRPr lang="zh-CN" altLang="en-US" dirty="0"/>
+            <a:endParaRPr lang="zh-CHS" altLang="en-US" dirty="0"/>
           </a:p>
         </p:txBody>
       </p:sp>
@@ -7629,28 +7640,28 @@
           <a:lstStyle/>
           <a:p>
             <a:r>
-              <a:rPr lang="en-US" altLang="zh-CN" dirty="0" smtClean="0"/>
+              <a:rPr lang="en-US" altLang="zh-CHS" dirty="0" smtClean="0"/>
               <a:t>The transformation pipeline of OpenGL</a:t>
             </a:r>
           </a:p>
           <a:p>
             <a:pPr lvl="1"/>
             <a:r>
-              <a:rPr lang="en-US" altLang="zh-CN" dirty="0" smtClean="0"/>
+              <a:rPr lang="en-US" altLang="zh-CHS" dirty="0" smtClean="0"/>
               <a:t>Model-View matrix</a:t>
             </a:r>
           </a:p>
           <a:p>
             <a:pPr lvl="1"/>
             <a:r>
-              <a:rPr lang="en-US" altLang="zh-CN" dirty="0" smtClean="0"/>
+              <a:rPr lang="en-US" altLang="zh-CHS" dirty="0" smtClean="0"/>
               <a:t>Projection matrix</a:t>
             </a:r>
           </a:p>
           <a:p>
             <a:pPr lvl="1"/>
             <a:r>
-              <a:rPr lang="en-US" altLang="zh-CN" dirty="0" smtClean="0"/>
+              <a:rPr lang="en-US" altLang="zh-CHS" dirty="0" smtClean="0"/>
               <a:t>Viewport transformation</a:t>
             </a:r>
           </a:p>
@@ -7674,10 +7685,10 @@
           <a:lstStyle/>
           <a:p>
             <a:r>
-              <a:rPr lang="en-US" altLang="zh-CN" sz="3600" dirty="0" smtClean="0"/>
+              <a:rPr lang="en-US" altLang="zh-CHS" sz="3600" dirty="0" smtClean="0"/>
               <a:t>Main techniques we need</a:t>
             </a:r>
-            <a:endParaRPr lang="zh-CN" altLang="en-US" sz="3600" dirty="0"/>
+            <a:endParaRPr lang="zh-CHS" altLang="en-US" sz="3600" dirty="0"/>
           </a:p>
         </p:txBody>
       </p:sp>
@@ -7732,10 +7743,10 @@
             <a:p>
               <a:pPr algn="ctr"/>
               <a:r>
-                <a:rPr lang="en-US" altLang="zh-CN" dirty="0" smtClean="0"/>
+                <a:rPr lang="en-US" altLang="zh-CHS" dirty="0" smtClean="0"/>
                 <a:t>Model-View matrix</a:t>
               </a:r>
-              <a:endParaRPr lang="zh-CN" altLang="en-US" dirty="0"/>
+              <a:endParaRPr lang="zh-CHS" altLang="en-US" dirty="0"/>
             </a:p>
           </p:txBody>
         </p:sp>
@@ -7776,10 +7787,10 @@
             <a:p>
               <a:pPr algn="ctr"/>
               <a:r>
-                <a:rPr lang="en-US" altLang="zh-CN" dirty="0" smtClean="0"/>
+                <a:rPr lang="en-US" altLang="zh-CHS" dirty="0" smtClean="0"/>
                 <a:t>Projection matrix</a:t>
               </a:r>
-              <a:endParaRPr lang="zh-CN" altLang="en-US" dirty="0"/>
+              <a:endParaRPr lang="zh-CHS" altLang="en-US" dirty="0"/>
             </a:p>
           </p:txBody>
         </p:sp>
@@ -7820,10 +7831,10 @@
             <a:p>
               <a:pPr algn="ctr"/>
               <a:r>
-                <a:rPr lang="en-US" altLang="zh-CN" dirty="0" smtClean="0"/>
+                <a:rPr lang="en-US" altLang="zh-CHS" dirty="0" smtClean="0"/>
                 <a:t>Viewport transformation</a:t>
               </a:r>
-              <a:endParaRPr lang="zh-CN" altLang="en-US" dirty="0"/>
+              <a:endParaRPr lang="zh-CHS" altLang="en-US" dirty="0"/>
             </a:p>
           </p:txBody>
         </p:sp>
@@ -7863,7 +7874,7 @@
             <a:lstStyle/>
             <a:p>
               <a:pPr algn="ctr"/>
-              <a:endParaRPr lang="zh-CN" altLang="en-US"/>
+              <a:endParaRPr lang="zh-CHS" altLang="en-US"/>
             </a:p>
           </p:txBody>
         </p:sp>
@@ -7903,7 +7914,7 @@
             <a:lstStyle/>
             <a:p>
               <a:pPr algn="ctr"/>
-              <a:endParaRPr lang="zh-CN" altLang="en-US"/>
+              <a:endParaRPr lang="zh-CHS" altLang="en-US"/>
             </a:p>
           </p:txBody>
         </p:sp>
@@ -7956,19 +7967,19 @@
           <a:lstStyle/>
           <a:p>
             <a:r>
-              <a:rPr lang="en-US" altLang="zh-CN" dirty="0" smtClean="0"/>
+              <a:rPr lang="en-US" altLang="zh-CHS" dirty="0" smtClean="0"/>
               <a:t>What will we do?</a:t>
             </a:r>
           </a:p>
           <a:p>
             <a:r>
-              <a:rPr lang="en-US" altLang="zh-CN" dirty="0" smtClean="0"/>
+              <a:rPr lang="en-US" altLang="zh-CHS" dirty="0" smtClean="0"/>
               <a:t>Main techniques we need</a:t>
             </a:r>
           </a:p>
           <a:p>
             <a:r>
-              <a:rPr lang="en-US" altLang="zh-CN" dirty="0" smtClean="0">
+              <a:rPr lang="en-US" altLang="zh-CHS" dirty="0" smtClean="0">
                 <a:solidFill>
                   <a:srgbClr val="FF0000"/>
                 </a:solidFill>
@@ -7994,10 +8005,10 @@
           <a:lstStyle/>
           <a:p>
             <a:r>
-              <a:rPr lang="en-US" altLang="zh-CN" dirty="0" smtClean="0"/>
+              <a:rPr lang="en-US" altLang="zh-CHS" dirty="0" smtClean="0"/>
               <a:t>Week 3</a:t>
             </a:r>
-            <a:endParaRPr lang="zh-CN" altLang="en-US" dirty="0"/>
+            <a:endParaRPr lang="zh-CHS" altLang="en-US" dirty="0"/>
           </a:p>
         </p:txBody>
       </p:sp>
@@ -8056,93 +8067,93 @@
           <a:lstStyle/>
           <a:p>
             <a:r>
-              <a:rPr lang="en-US" altLang="zh-CN" sz="2200" dirty="0" smtClean="0"/>
+              <a:rPr lang="en-US" altLang="zh-CHS" sz="2200" dirty="0" smtClean="0"/>
               <a:t>Rotate the triangle and the square you drew at last class</a:t>
             </a:r>
           </a:p>
           <a:p>
             <a:pPr lvl="1"/>
             <a:r>
-              <a:rPr lang="en-US" altLang="zh-CN" sz="1800" dirty="0" smtClean="0"/>
+              <a:rPr lang="en-US" altLang="zh-CHS" sz="1800" dirty="0" smtClean="0"/>
               <a:t>Make sure they rotate as the way you want them to.</a:t>
             </a:r>
-            <a:endParaRPr lang="en-US" altLang="zh-CN" sz="2200" dirty="0" smtClean="0"/>
-          </a:p>
-          <a:p>
-            <a:r>
-              <a:rPr lang="en-US" altLang="zh-CN" sz="2200" dirty="0" smtClean="0"/>
+            <a:endParaRPr lang="en-US" altLang="zh-CHS" sz="2200" dirty="0" smtClean="0"/>
+          </a:p>
+          <a:p>
+            <a:r>
+              <a:rPr lang="en-US" altLang="zh-CHS" sz="2200" dirty="0" smtClean="0"/>
               <a:t>Try to draw a pyramid and a cube in the window</a:t>
             </a:r>
           </a:p>
           <a:p>
             <a:pPr lvl="1"/>
             <a:r>
-              <a:rPr lang="en-US" altLang="zh-CN" sz="1800" dirty="0" smtClean="0"/>
+              <a:rPr lang="en-US" altLang="zh-CHS" sz="1800" dirty="0" smtClean="0"/>
               <a:t>Again, render them with colors as you wish.</a:t>
             </a:r>
           </a:p>
           <a:p>
             <a:pPr lvl="1"/>
             <a:r>
-              <a:rPr lang="en-US" altLang="zh-CN" sz="1800" dirty="0" smtClean="0"/>
+              <a:rPr lang="en-US" altLang="zh-CHS" sz="1800" dirty="0" smtClean="0"/>
               <a:t>Rotate them.</a:t>
             </a:r>
           </a:p>
           <a:p>
             <a:r>
-              <a:rPr lang="en-US" altLang="zh-CN" sz="2200" dirty="0" smtClean="0"/>
+              <a:rPr lang="en-US" altLang="zh-CHS" sz="2200" dirty="0" smtClean="0"/>
               <a:t>Note</a:t>
             </a:r>
           </a:p>
           <a:p>
             <a:pPr lvl="1"/>
             <a:r>
-              <a:rPr lang="en-US" altLang="zh-CN" sz="1800" dirty="0" smtClean="0"/>
+              <a:rPr lang="en-US" altLang="zh-CHS" sz="1800" dirty="0" smtClean="0"/>
               <a:t>Use </a:t>
             </a:r>
             <a:r>
-              <a:rPr lang="en-US" altLang="zh-CN" sz="1800" dirty="0" err="1" smtClean="0"/>
+              <a:rPr lang="en-US" altLang="zh-CHS" sz="1800" dirty="0" err="1" smtClean="0"/>
               <a:t>glutPostDisplay</a:t>
             </a:r>
             <a:r>
-              <a:rPr lang="en-US" altLang="zh-CN" sz="1800" dirty="0" smtClean="0"/>
+              <a:rPr lang="en-US" altLang="zh-CHS" sz="1800" dirty="0" smtClean="0"/>
               <a:t>() after </a:t>
             </a:r>
             <a:r>
-              <a:rPr lang="en-US" altLang="zh-CN" sz="1800" dirty="0" err="1" smtClean="0"/>
+              <a:rPr lang="en-US" altLang="zh-CHS" sz="1800" dirty="0" err="1" smtClean="0"/>
               <a:t>glutSwapBuffers</a:t>
             </a:r>
             <a:r>
-              <a:rPr lang="en-US" altLang="zh-CN" sz="1800" dirty="0" smtClean="0"/>
+              <a:rPr lang="en-US" altLang="zh-CHS" sz="1800" dirty="0" smtClean="0"/>
               <a:t>() in your display function to refresh what you draw, or…</a:t>
             </a:r>
           </a:p>
           <a:p>
             <a:pPr lvl="1"/>
             <a:r>
-              <a:rPr lang="en-US" altLang="zh-CN" sz="1800" dirty="0" smtClean="0"/>
+              <a:rPr lang="en-US" altLang="zh-CHS" sz="1800" dirty="0" smtClean="0"/>
               <a:t>Use </a:t>
             </a:r>
             <a:r>
-              <a:rPr lang="en-US" altLang="zh-CN" sz="1800" dirty="0" err="1" smtClean="0"/>
+              <a:rPr lang="en-US" altLang="zh-CHS" sz="1800" dirty="0" err="1" smtClean="0"/>
               <a:t>glutIdleFunction</a:t>
             </a:r>
             <a:r>
-              <a:rPr lang="en-US" altLang="zh-CN" sz="1800" dirty="0" smtClean="0"/>
+              <a:rPr lang="en-US" altLang="zh-CHS" sz="1800" dirty="0" smtClean="0"/>
               <a:t>() to replace </a:t>
             </a:r>
             <a:r>
-              <a:rPr lang="en-US" altLang="zh-CN" sz="1800" dirty="0" err="1" smtClean="0"/>
+              <a:rPr lang="en-US" altLang="zh-CHS" sz="1800" dirty="0" err="1" smtClean="0"/>
               <a:t>glutDisplayFunction</a:t>
             </a:r>
             <a:r>
-              <a:rPr lang="en-US" altLang="zh-CN" sz="1800" dirty="0" smtClean="0"/>
+              <a:rPr lang="en-US" altLang="zh-CHS" sz="1800" dirty="0" smtClean="0"/>
               <a:t>().</a:t>
             </a:r>
           </a:p>
           <a:p>
             <a:pPr lvl="1"/>
-            <a:endParaRPr lang="en-US" altLang="zh-CN" sz="1800" dirty="0" smtClean="0"/>
+            <a:endParaRPr lang="en-US" altLang="zh-CHS" sz="1800" dirty="0" smtClean="0"/>
           </a:p>
         </p:txBody>
       </p:sp>
@@ -8169,10 +8180,10 @@
           <a:lstStyle/>
           <a:p>
             <a:r>
-              <a:rPr lang="en-US" altLang="zh-CN" sz="3600" dirty="0" smtClean="0"/>
+              <a:rPr lang="en-US" altLang="zh-CHS" sz="3600" dirty="0" smtClean="0"/>
               <a:t>Some more(Optional)…</a:t>
             </a:r>
-            <a:endParaRPr lang="zh-CN" altLang="en-US" sz="3600" dirty="0"/>
+            <a:endParaRPr lang="zh-CHS" altLang="en-US" sz="3600" dirty="0"/>
           </a:p>
         </p:txBody>
       </p:sp>
@@ -8224,7 +8235,7 @@
               <a:defRPr/>
             </a:pPr>
             <a:r>
-              <a:rPr kumimoji="0" lang="en-US" altLang="zh-CN" sz="3600" b="1" i="0" u="none" strike="noStrike" kern="1200" cap="none" spc="0" normalizeH="0" baseline="0" noProof="0" dirty="0" smtClean="0">
+              <a:rPr kumimoji="0" lang="en-US" altLang="zh-CHS" sz="3600" b="1" i="0" u="none" strike="noStrike" kern="1200" cap="none" spc="0" normalizeH="0" baseline="0" noProof="0" dirty="0" smtClean="0">
                 <a:ln>
                   <a:noFill/>
                 </a:ln>
@@ -8246,7 +8257,7 @@
               </a:rPr>
               <a:t>Exercise time</a:t>
             </a:r>
-            <a:endParaRPr kumimoji="0" lang="zh-CN" altLang="en-US" sz="3600" b="1" i="0" u="none" strike="noStrike" kern="1200" cap="none" spc="0" normalizeH="0" baseline="0" noProof="0" dirty="0">
+            <a:endParaRPr kumimoji="0" lang="zh-CHS" altLang="en-US" sz="3600" b="1" i="0" u="none" strike="noStrike" kern="1200" cap="none" spc="0" normalizeH="0" baseline="0" noProof="0" dirty="0">
               <a:ln>
                 <a:noFill/>
               </a:ln>
@@ -8312,7 +8323,7 @@
               <a:defRPr/>
             </a:pPr>
             <a:r>
-              <a:rPr kumimoji="0" lang="en-US" altLang="zh-CN" sz="2200" b="0" i="0" u="none" strike="noStrike" kern="1200" cap="none" spc="0" normalizeH="0" baseline="0" noProof="0" dirty="0" smtClean="0">
+              <a:rPr kumimoji="0" lang="en-US" altLang="zh-CHS" sz="2200" b="0" i="0" u="none" strike="noStrike" kern="1200" cap="none" spc="0" normalizeH="0" baseline="0" noProof="0" dirty="0" smtClean="0">
                 <a:ln>
                   <a:noFill/>
                 </a:ln>
@@ -8329,7 +8340,7 @@
               <a:t>Try to use </a:t>
             </a:r>
             <a:r>
-              <a:rPr kumimoji="0" lang="en-US" altLang="zh-CN" sz="2200" b="0" i="0" u="none" strike="noStrike" kern="1200" cap="none" spc="0" normalizeH="0" baseline="0" noProof="0" dirty="0" err="1" smtClean="0">
+              <a:rPr kumimoji="0" lang="en-US" altLang="zh-CHS" sz="2200" b="0" i="0" u="none" strike="noStrike" kern="1200" cap="none" spc="0" normalizeH="0" baseline="0" noProof="0" dirty="0" err="1" smtClean="0">
                 <a:ln>
                   <a:noFill/>
                 </a:ln>
@@ -8346,7 +8357,7 @@
               <a:t>glOrtho</a:t>
             </a:r>
             <a:r>
-              <a:rPr kumimoji="0" lang="en-US" altLang="zh-CN" sz="2200" b="0" i="0" u="none" strike="noStrike" kern="1200" cap="none" spc="0" normalizeH="0" baseline="0" noProof="0" dirty="0" smtClean="0">
+              <a:rPr kumimoji="0" lang="en-US" altLang="zh-CHS" sz="2200" b="0" i="0" u="none" strike="noStrike" kern="1200" cap="none" spc="0" normalizeH="0" baseline="0" noProof="0" dirty="0" smtClean="0">
                 <a:ln>
                   <a:noFill/>
                 </a:ln>
@@ -8363,7 +8374,7 @@
               <a:t>()</a:t>
             </a:r>
             <a:r>
-              <a:rPr kumimoji="0" lang="en-US" altLang="zh-CN" sz="2200" b="0" i="0" u="none" strike="noStrike" kern="1200" cap="none" spc="0" normalizeH="0" noProof="0" dirty="0" smtClean="0">
+              <a:rPr kumimoji="0" lang="en-US" altLang="zh-CHS" sz="2200" b="0" i="0" u="none" strike="noStrike" kern="1200" cap="none" spc="0" normalizeH="0" noProof="0" dirty="0" smtClean="0">
                 <a:ln>
                   <a:noFill/>
                 </a:ln>
@@ -8380,7 +8391,7 @@
               <a:t> to replace </a:t>
             </a:r>
             <a:r>
-              <a:rPr kumimoji="0" lang="en-US" altLang="zh-CN" sz="2200" b="0" i="0" u="none" strike="noStrike" kern="1200" cap="none" spc="0" normalizeH="0" noProof="0" dirty="0" err="1" smtClean="0">
+              <a:rPr kumimoji="0" lang="en-US" altLang="zh-CHS" sz="2200" b="0" i="0" u="none" strike="noStrike" kern="1200" cap="none" spc="0" normalizeH="0" noProof="0" dirty="0" err="1" smtClean="0">
                 <a:ln>
                   <a:noFill/>
                 </a:ln>
@@ -8397,7 +8408,7 @@
               <a:t>gluPerspective</a:t>
             </a:r>
             <a:r>
-              <a:rPr kumimoji="0" lang="en-US" altLang="zh-CN" sz="2200" b="0" i="0" u="none" strike="noStrike" kern="1200" cap="none" spc="0" normalizeH="0" noProof="0" dirty="0" smtClean="0">
+              <a:rPr kumimoji="0" lang="en-US" altLang="zh-CHS" sz="2200" b="0" i="0" u="none" strike="noStrike" kern="1200" cap="none" spc="0" normalizeH="0" noProof="0" dirty="0" smtClean="0">
                 <a:ln>
                   <a:noFill/>
                 </a:ln>
@@ -8428,7 +8439,7 @@
               <a:defRPr/>
             </a:pPr>
             <a:r>
-              <a:rPr lang="en-US" altLang="zh-CN" sz="2200" dirty="0" smtClean="0"/>
+              <a:rPr lang="en-US" altLang="zh-CHS" sz="2200" dirty="0" smtClean="0"/>
               <a:t>After replacing, make sure that you keep the object you draw the same size!</a:t>
             </a:r>
           </a:p>
@@ -8482,42 +8493,42 @@
           <a:lstStyle/>
           <a:p>
             <a:r>
-              <a:rPr lang="en-US" altLang="zh-CN" dirty="0" smtClean="0">
+              <a:rPr lang="en-US" altLang="zh-CHS" dirty="0" smtClean="0">
                 <a:hlinkClick r:id="rId2" action="ppaction://hlinkfile"/>
               </a:rPr>
               <a:t>Rotation</a:t>
             </a:r>
-            <a:endParaRPr lang="en-US" altLang="zh-CN" dirty="0" smtClean="0"/>
+            <a:endParaRPr lang="en-US" altLang="zh-CHS" dirty="0" smtClean="0"/>
           </a:p>
           <a:p>
             <a:pPr lvl="1"/>
             <a:r>
-              <a:rPr lang="en-US" altLang="zh-CN" dirty="0" smtClean="0"/>
+              <a:rPr lang="en-US" altLang="zh-CHS" dirty="0" smtClean="0"/>
               <a:t>Model-View Matrix</a:t>
             </a:r>
           </a:p>
           <a:p>
             <a:r>
-              <a:rPr lang="en-US" altLang="zh-CN" dirty="0" smtClean="0">
+              <a:rPr lang="en-US" altLang="zh-CHS" dirty="0" smtClean="0">
                 <a:hlinkClick r:id="rId3" action="ppaction://hlinkfile"/>
               </a:rPr>
               <a:t>3D Objects</a:t>
             </a:r>
-            <a:endParaRPr lang="en-US" altLang="zh-CN" dirty="0" smtClean="0"/>
-          </a:p>
-          <a:p>
-            <a:endParaRPr lang="en-US" altLang="zh-CN" dirty="0" smtClean="0"/>
-          </a:p>
-          <a:p>
-            <a:r>
-              <a:rPr lang="en-US" altLang="zh-CN" dirty="0" smtClean="0"/>
+            <a:endParaRPr lang="en-US" altLang="zh-CHS" dirty="0" smtClean="0"/>
+          </a:p>
+          <a:p>
+            <a:endParaRPr lang="en-US" altLang="zh-CHS" dirty="0" smtClean="0"/>
+          </a:p>
+          <a:p>
+            <a:r>
+              <a:rPr lang="en-US" altLang="zh-CHS" dirty="0" smtClean="0"/>
               <a:t>Main purpose of this exercise</a:t>
             </a:r>
           </a:p>
           <a:p>
             <a:pPr lvl="1"/>
             <a:r>
-              <a:rPr lang="en-US" altLang="zh-CN" dirty="0" smtClean="0"/>
+              <a:rPr lang="en-US" altLang="zh-CHS" dirty="0" smtClean="0"/>
               <a:t>Deep understanding of matrices in OpenGL</a:t>
             </a:r>
           </a:p>
@@ -8539,10 +8550,10 @@
           <a:lstStyle/>
           <a:p>
             <a:r>
-              <a:rPr lang="en-US" altLang="zh-CN" dirty="0" smtClean="0"/>
+              <a:rPr lang="en-US" altLang="zh-CHS" dirty="0" smtClean="0"/>
               <a:t>What will we do?</a:t>
             </a:r>
-            <a:endParaRPr lang="zh-CN" altLang="en-US" dirty="0"/>
+            <a:endParaRPr lang="zh-CHS" altLang="en-US" dirty="0"/>
           </a:p>
         </p:txBody>
       </p:sp>
@@ -8594,13 +8605,13 @@
           <a:lstStyle/>
           <a:p>
             <a:r>
-              <a:rPr lang="en-US" altLang="zh-CN" dirty="0" smtClean="0"/>
+              <a:rPr lang="en-US" altLang="zh-CHS" dirty="0" smtClean="0"/>
               <a:t>What will we do?</a:t>
             </a:r>
           </a:p>
           <a:p>
             <a:r>
-              <a:rPr lang="en-US" altLang="zh-CN" dirty="0" smtClean="0">
+              <a:rPr lang="en-US" altLang="zh-CHS" dirty="0" smtClean="0">
                 <a:solidFill>
                   <a:srgbClr val="FF0000"/>
                 </a:solidFill>
@@ -8610,7 +8621,7 @@
           </a:p>
           <a:p>
             <a:r>
-              <a:rPr lang="en-US" altLang="zh-CN" dirty="0" smtClean="0"/>
+              <a:rPr lang="en-US" altLang="zh-CHS" dirty="0" smtClean="0"/>
               <a:t>Exercise time &amp; Some more (Optional)</a:t>
             </a:r>
           </a:p>
@@ -8632,10 +8643,10 @@
           <a:lstStyle/>
           <a:p>
             <a:r>
-              <a:rPr lang="en-US" altLang="zh-CN" dirty="0" smtClean="0"/>
+              <a:rPr lang="en-US" altLang="zh-CHS" dirty="0" smtClean="0"/>
               <a:t>Week 2</a:t>
             </a:r>
-            <a:endParaRPr lang="zh-CN" altLang="en-US" dirty="0"/>
+            <a:endParaRPr lang="zh-CHS" altLang="en-US" dirty="0"/>
           </a:p>
         </p:txBody>
       </p:sp>
@@ -8687,28 +8698,28 @@
           <a:lstStyle/>
           <a:p>
             <a:r>
-              <a:rPr lang="en-US" altLang="zh-CN" dirty="0" smtClean="0"/>
+              <a:rPr lang="en-US" altLang="zh-CHS" dirty="0" smtClean="0"/>
               <a:t>The transformation pipeline of OpenGL</a:t>
             </a:r>
           </a:p>
           <a:p>
             <a:pPr lvl="1"/>
             <a:r>
-              <a:rPr lang="en-US" altLang="zh-CN" dirty="0" smtClean="0"/>
+              <a:rPr lang="en-US" altLang="zh-CHS" dirty="0" smtClean="0"/>
               <a:t>Model-View matrix</a:t>
             </a:r>
           </a:p>
           <a:p>
             <a:pPr lvl="1"/>
             <a:r>
-              <a:rPr lang="en-US" altLang="zh-CN" dirty="0" smtClean="0"/>
+              <a:rPr lang="en-US" altLang="zh-CHS" dirty="0" smtClean="0"/>
               <a:t>Projection matrix</a:t>
             </a:r>
           </a:p>
           <a:p>
             <a:pPr lvl="1"/>
             <a:r>
-              <a:rPr lang="en-US" altLang="zh-CN" dirty="0" smtClean="0"/>
+              <a:rPr lang="en-US" altLang="zh-CHS" dirty="0" smtClean="0"/>
               <a:t>Viewport transformation</a:t>
             </a:r>
           </a:p>
@@ -8732,10 +8743,10 @@
           <a:lstStyle/>
           <a:p>
             <a:r>
-              <a:rPr lang="en-US" altLang="zh-CN" sz="3600" dirty="0" smtClean="0"/>
+              <a:rPr lang="en-US" altLang="zh-CHS" sz="3600" dirty="0" smtClean="0"/>
               <a:t>Main techniques we need</a:t>
             </a:r>
-            <a:endParaRPr lang="zh-CN" altLang="en-US" sz="3600" dirty="0"/>
+            <a:endParaRPr lang="zh-CHS" altLang="en-US" sz="3600" dirty="0"/>
           </a:p>
         </p:txBody>
       </p:sp>
@@ -8790,10 +8801,10 @@
             <a:p>
               <a:pPr algn="ctr"/>
               <a:r>
-                <a:rPr lang="en-US" altLang="zh-CN" dirty="0" smtClean="0"/>
+                <a:rPr lang="en-US" altLang="zh-CHS" dirty="0" smtClean="0"/>
                 <a:t>Model-View matrix</a:t>
               </a:r>
-              <a:endParaRPr lang="zh-CN" altLang="en-US" dirty="0"/>
+              <a:endParaRPr lang="zh-CHS" altLang="en-US" dirty="0"/>
             </a:p>
           </p:txBody>
         </p:sp>
@@ -8834,10 +8845,10 @@
             <a:p>
               <a:pPr algn="ctr"/>
               <a:r>
-                <a:rPr lang="en-US" altLang="zh-CN" dirty="0" smtClean="0"/>
+                <a:rPr lang="en-US" altLang="zh-CHS" dirty="0" smtClean="0"/>
                 <a:t>Projection matrix</a:t>
               </a:r>
-              <a:endParaRPr lang="zh-CN" altLang="en-US" dirty="0"/>
+              <a:endParaRPr lang="zh-CHS" altLang="en-US" dirty="0"/>
             </a:p>
           </p:txBody>
         </p:sp>
@@ -8878,10 +8889,10 @@
             <a:p>
               <a:pPr algn="ctr"/>
               <a:r>
-                <a:rPr lang="en-US" altLang="zh-CN" dirty="0" smtClean="0"/>
+                <a:rPr lang="en-US" altLang="zh-CHS" dirty="0" smtClean="0"/>
                 <a:t>Viewport transformation</a:t>
               </a:r>
-              <a:endParaRPr lang="zh-CN" altLang="en-US" dirty="0"/>
+              <a:endParaRPr lang="zh-CHS" altLang="en-US" dirty="0"/>
             </a:p>
           </p:txBody>
         </p:sp>
@@ -8921,7 +8932,7 @@
             <a:lstStyle/>
             <a:p>
               <a:pPr algn="ctr"/>
-              <a:endParaRPr lang="zh-CN" altLang="en-US"/>
+              <a:endParaRPr lang="zh-CHS" altLang="en-US"/>
             </a:p>
           </p:txBody>
         </p:sp>
@@ -8961,7 +8972,7 @@
             <a:lstStyle/>
             <a:p>
               <a:pPr algn="ctr"/>
-              <a:endParaRPr lang="zh-CN" altLang="en-US"/>
+              <a:endParaRPr lang="zh-CHS" altLang="en-US"/>
             </a:p>
           </p:txBody>
         </p:sp>
@@ -9014,14 +9025,14 @@
           <a:lstStyle/>
           <a:p>
             <a:r>
-              <a:rPr lang="en-US" altLang="zh-CN" dirty="0" smtClean="0"/>
+              <a:rPr lang="en-US" altLang="zh-CHS" dirty="0" smtClean="0"/>
               <a:t>The transformation pipeline of OpenGL</a:t>
             </a:r>
           </a:p>
           <a:p>
             <a:pPr lvl="1"/>
             <a:r>
-              <a:rPr lang="en-US" altLang="zh-CN" dirty="0" smtClean="0">
+              <a:rPr lang="en-US" altLang="zh-CHS" dirty="0" smtClean="0">
                 <a:solidFill>
                   <a:srgbClr val="FF0000"/>
                 </a:solidFill>
@@ -9032,14 +9043,14 @@
           <a:p>
             <a:pPr lvl="1"/>
             <a:r>
-              <a:rPr lang="en-US" altLang="zh-CN" dirty="0" smtClean="0"/>
+              <a:rPr lang="en-US" altLang="zh-CHS" dirty="0" smtClean="0"/>
               <a:t>Projection matrix</a:t>
             </a:r>
           </a:p>
           <a:p>
             <a:pPr lvl="1"/>
             <a:r>
-              <a:rPr lang="en-US" altLang="zh-CN" dirty="0" smtClean="0"/>
+              <a:rPr lang="en-US" altLang="zh-CHS" dirty="0" smtClean="0"/>
               <a:t>Viewport transformation</a:t>
             </a:r>
           </a:p>
@@ -9063,10 +9074,10 @@
           <a:lstStyle/>
           <a:p>
             <a:r>
-              <a:rPr lang="en-US" altLang="zh-CN" sz="3600" dirty="0" smtClean="0"/>
+              <a:rPr lang="en-US" altLang="zh-CHS" sz="3600" dirty="0" smtClean="0"/>
               <a:t>Main techniques we need</a:t>
             </a:r>
-            <a:endParaRPr lang="zh-CN" altLang="en-US" sz="3600" dirty="0"/>
+            <a:endParaRPr lang="zh-CHS" altLang="en-US" sz="3600" dirty="0"/>
           </a:p>
         </p:txBody>
       </p:sp>
@@ -9121,10 +9132,10 @@
             <a:p>
               <a:pPr algn="ctr"/>
               <a:r>
-                <a:rPr lang="en-US" altLang="zh-CN" dirty="0" smtClean="0"/>
+                <a:rPr lang="en-US" altLang="zh-CHS" dirty="0" smtClean="0"/>
                 <a:t>Model-View matrix</a:t>
               </a:r>
-              <a:endParaRPr lang="zh-CN" altLang="en-US" dirty="0"/>
+              <a:endParaRPr lang="zh-CHS" altLang="en-US" dirty="0"/>
             </a:p>
           </p:txBody>
         </p:sp>
@@ -9165,10 +9176,10 @@
             <a:p>
               <a:pPr algn="ctr"/>
               <a:r>
-                <a:rPr lang="en-US" altLang="zh-CN" dirty="0" smtClean="0"/>
+                <a:rPr lang="en-US" altLang="zh-CHS" dirty="0" smtClean="0"/>
                 <a:t>Projection matrix</a:t>
               </a:r>
-              <a:endParaRPr lang="zh-CN" altLang="en-US" dirty="0"/>
+              <a:endParaRPr lang="zh-CHS" altLang="en-US" dirty="0"/>
             </a:p>
           </p:txBody>
         </p:sp>
@@ -9209,10 +9220,10 @@
             <a:p>
               <a:pPr algn="ctr"/>
               <a:r>
-                <a:rPr lang="en-US" altLang="zh-CN" dirty="0" smtClean="0"/>
+                <a:rPr lang="en-US" altLang="zh-CHS" dirty="0" smtClean="0"/>
                 <a:t>Viewport transformation</a:t>
               </a:r>
-              <a:endParaRPr lang="zh-CN" altLang="en-US" dirty="0"/>
+              <a:endParaRPr lang="zh-CHS" altLang="en-US" dirty="0"/>
             </a:p>
           </p:txBody>
         </p:sp>
@@ -9252,7 +9263,7 @@
             <a:lstStyle/>
             <a:p>
               <a:pPr algn="ctr"/>
-              <a:endParaRPr lang="zh-CN" altLang="en-US"/>
+              <a:endParaRPr lang="zh-CHS" altLang="en-US"/>
             </a:p>
           </p:txBody>
         </p:sp>
@@ -9292,7 +9303,7 @@
             <a:lstStyle/>
             <a:p>
               <a:pPr algn="ctr"/>
-              <a:endParaRPr lang="zh-CN" altLang="en-US"/>
+              <a:endParaRPr lang="zh-CHS" altLang="en-US"/>
             </a:p>
           </p:txBody>
         </p:sp>
@@ -9345,55 +9356,55 @@
           <a:lstStyle/>
           <a:p>
             <a:r>
-              <a:rPr lang="en-US" altLang="zh-CN" dirty="0" smtClean="0"/>
+              <a:rPr lang="en-US" altLang="zh-CHS" dirty="0" smtClean="0"/>
               <a:t>The coordinate system in OpenGL</a:t>
             </a:r>
           </a:p>
           <a:p>
             <a:pPr lvl="1"/>
             <a:r>
-              <a:rPr lang="en-US" altLang="zh-CN" dirty="0" smtClean="0"/>
+              <a:rPr lang="en-US" altLang="zh-CHS" dirty="0" smtClean="0"/>
               <a:t>x axis</a:t>
             </a:r>
           </a:p>
           <a:p>
             <a:pPr lvl="2"/>
             <a:r>
-              <a:rPr lang="en-US" altLang="zh-CN" dirty="0" smtClean="0"/>
+              <a:rPr lang="en-US" altLang="zh-CHS" dirty="0" smtClean="0"/>
               <a:t>parallels with horizontal bounder of window</a:t>
             </a:r>
           </a:p>
           <a:p>
             <a:pPr lvl="1"/>
             <a:r>
-              <a:rPr lang="en-US" altLang="zh-CN" dirty="0" smtClean="0"/>
+              <a:rPr lang="en-US" altLang="zh-CHS" dirty="0" smtClean="0"/>
               <a:t>y axis</a:t>
             </a:r>
           </a:p>
           <a:p>
             <a:pPr lvl="2"/>
             <a:r>
-              <a:rPr lang="en-US" altLang="zh-CN" dirty="0" smtClean="0"/>
+              <a:rPr lang="en-US" altLang="zh-CHS" dirty="0" smtClean="0"/>
               <a:t>parallels with vertical bounder of window</a:t>
             </a:r>
           </a:p>
           <a:p>
             <a:pPr lvl="1"/>
             <a:r>
-              <a:rPr lang="en-US" altLang="zh-CN" dirty="0" smtClean="0"/>
+              <a:rPr lang="en-US" altLang="zh-CHS" dirty="0" smtClean="0"/>
               <a:t>z axis</a:t>
             </a:r>
           </a:p>
           <a:p>
             <a:pPr lvl="2"/>
             <a:r>
-              <a:rPr lang="en-US" altLang="zh-CN" dirty="0" smtClean="0"/>
+              <a:rPr lang="en-US" altLang="zh-CHS" dirty="0" smtClean="0"/>
               <a:t>perpendicular to the screen plane</a:t>
             </a:r>
           </a:p>
           <a:p>
             <a:pPr lvl="2"/>
-            <a:endParaRPr lang="en-US" altLang="zh-CN" dirty="0" smtClean="0"/>
+            <a:endParaRPr lang="en-US" altLang="zh-CHS" dirty="0" smtClean="0"/>
           </a:p>
         </p:txBody>
       </p:sp>
@@ -9413,10 +9424,10 @@
           <a:lstStyle/>
           <a:p>
             <a:r>
-              <a:rPr lang="en-US" altLang="zh-CN" dirty="0" smtClean="0"/>
+              <a:rPr lang="en-US" altLang="zh-CHS" dirty="0" smtClean="0"/>
               <a:t>Model-View matrix</a:t>
             </a:r>
-            <a:endParaRPr lang="zh-CN" altLang="en-US" dirty="0"/>
+            <a:endParaRPr lang="zh-CHS" altLang="en-US" dirty="0"/>
           </a:p>
         </p:txBody>
       </p:sp>
@@ -9458,7 +9469,7 @@
           <a:lstStyle/>
           <a:p>
             <a:pPr algn="ctr"/>
-            <a:endParaRPr lang="zh-CN" altLang="en-US"/>
+            <a:endParaRPr lang="zh-CHS" altLang="en-US"/>
           </a:p>
         </p:txBody>
       </p:sp>
@@ -9625,10 +9636,10 @@
           <a:lstStyle/>
           <a:p>
             <a:r>
-              <a:rPr lang="en-US" altLang="zh-CN" dirty="0" smtClean="0"/>
+              <a:rPr lang="en-US" altLang="zh-CHS" dirty="0" smtClean="0"/>
               <a:t>y</a:t>
             </a:r>
-            <a:endParaRPr lang="zh-CN" altLang="en-US" dirty="0"/>
+            <a:endParaRPr lang="zh-CHS" altLang="en-US" dirty="0"/>
           </a:p>
         </p:txBody>
       </p:sp>
@@ -9655,10 +9666,10 @@
           <a:lstStyle/>
           <a:p>
             <a:r>
-              <a:rPr lang="en-US" altLang="zh-CN" dirty="0" smtClean="0"/>
+              <a:rPr lang="en-US" altLang="zh-CHS" dirty="0" smtClean="0"/>
               <a:t>x</a:t>
             </a:r>
-            <a:endParaRPr lang="zh-CN" altLang="en-US" dirty="0"/>
+            <a:endParaRPr lang="zh-CHS" altLang="en-US" dirty="0"/>
           </a:p>
         </p:txBody>
       </p:sp>
@@ -9685,10 +9696,10 @@
           <a:lstStyle/>
           <a:p>
             <a:r>
-              <a:rPr lang="en-US" altLang="zh-CN" dirty="0" smtClean="0"/>
+              <a:rPr lang="en-US" altLang="zh-CHS" dirty="0" smtClean="0"/>
               <a:t>z</a:t>
             </a:r>
-            <a:endParaRPr lang="zh-CN" altLang="en-US" dirty="0"/>
+            <a:endParaRPr lang="zh-CHS" altLang="en-US" dirty="0"/>
           </a:p>
         </p:txBody>
       </p:sp>
@@ -9740,56 +9751,56 @@
           <a:lstStyle/>
           <a:p>
             <a:r>
-              <a:rPr lang="en-US" altLang="zh-CN" dirty="0" smtClean="0"/>
+              <a:rPr lang="en-US" altLang="zh-CHS" dirty="0" smtClean="0"/>
               <a:t>How does a transformation work?</a:t>
             </a:r>
           </a:p>
           <a:p>
             <a:pPr lvl="1"/>
             <a:r>
-              <a:rPr lang="en-US" altLang="zh-CN" dirty="0" smtClean="0"/>
+              <a:rPr lang="en-US" altLang="zh-CHS" dirty="0" smtClean="0"/>
               <a:t>Homogeneous coordinate</a:t>
             </a:r>
           </a:p>
           <a:p>
             <a:pPr lvl="2"/>
             <a:r>
-              <a:rPr lang="en-US" altLang="zh-CN" dirty="0" smtClean="0"/>
+              <a:rPr lang="en-US" altLang="zh-CHS" dirty="0" smtClean="0"/>
               <a:t>Point: (x, y, z, 1)</a:t>
             </a:r>
           </a:p>
           <a:p>
             <a:pPr lvl="2"/>
             <a:r>
-              <a:rPr lang="en-US" altLang="zh-CN" dirty="0" smtClean="0"/>
+              <a:rPr lang="en-US" altLang="zh-CHS" dirty="0" smtClean="0"/>
               <a:t>Vector: (x, y, z, 0)</a:t>
             </a:r>
           </a:p>
           <a:p>
             <a:pPr lvl="2"/>
             <a:r>
-              <a:rPr lang="en-US" altLang="zh-CN" dirty="0" smtClean="0"/>
+              <a:rPr lang="en-US" altLang="zh-CHS" dirty="0" smtClean="0"/>
               <a:t>Matrix size: 4 × 4</a:t>
             </a:r>
           </a:p>
           <a:p>
             <a:pPr lvl="2"/>
-            <a:endParaRPr lang="en-US" altLang="zh-CN" dirty="0" smtClean="0"/>
+            <a:endParaRPr lang="en-US" altLang="zh-CHS" dirty="0" smtClean="0"/>
           </a:p>
           <a:p>
             <a:pPr lvl="1"/>
             <a:r>
-              <a:rPr lang="en-US" altLang="zh-CN" dirty="0" smtClean="0"/>
+              <a:rPr lang="en-US" altLang="zh-CHS" dirty="0" smtClean="0"/>
               <a:t>Transformation</a:t>
             </a:r>
           </a:p>
           <a:p>
             <a:pPr lvl="2"/>
-            <a:endParaRPr lang="en-US" altLang="zh-CN" dirty="0" smtClean="0"/>
+            <a:endParaRPr lang="en-US" altLang="zh-CHS" dirty="0" smtClean="0"/>
           </a:p>
           <a:p>
             <a:pPr lvl="2"/>
-            <a:endParaRPr lang="zh-CN" altLang="en-US" dirty="0"/>
+            <a:endParaRPr lang="zh-CHS" altLang="en-US" dirty="0"/>
           </a:p>
         </p:txBody>
       </p:sp>
@@ -9809,10 +9820,10 @@
           <a:lstStyle/>
           <a:p>
             <a:r>
-              <a:rPr lang="en-US" altLang="zh-CN" dirty="0" smtClean="0"/>
+              <a:rPr lang="en-US" altLang="zh-CHS" dirty="0" smtClean="0"/>
               <a:t>Model-View matrix</a:t>
             </a:r>
-            <a:endParaRPr lang="zh-CN" altLang="en-US" dirty="0"/>
+            <a:endParaRPr lang="zh-CHS" altLang="en-US" dirty="0"/>
           </a:p>
         </p:txBody>
       </p:sp>
@@ -9830,9 +9841,59 @@
         </p:xfrm>
         <a:graphic>
           <a:graphicData uri="http://schemas.openxmlformats.org/presentationml/2006/ole">
-            <p:oleObj spid="_x0000_s1026" name="公式" r:id="rId3" imgW="647640" imgH="177480" progId="Equation.3">
-              <p:embed/>
-            </p:oleObj>
+            <mc:AlternateContent xmlns:mc="http://schemas.openxmlformats.org/markup-compatibility/2006">
+              <mc:Choice xmlns:v="urn:schemas-microsoft-com:vml" Requires="v">
+                <p:oleObj spid="_x0000_s1028" name="公式" r:id="rId3" imgW="647640" imgH="177480" progId="Equation.3">
+                  <p:embed/>
+                </p:oleObj>
+              </mc:Choice>
+              <mc:Fallback>
+                <p:oleObj name="公式" r:id="rId3" imgW="647640" imgH="177480" progId="Equation.3">
+                  <p:embed/>
+                  <p:pic>
+                    <p:nvPicPr>
+                      <p:cNvPr id="0" name="Picture 2"/>
+                      <p:cNvPicPr>
+                        <a:picLocks noChangeAspect="1" noChangeArrowheads="1"/>
+                      </p:cNvPicPr>
+                      <p:nvPr/>
+                    </p:nvPicPr>
+                    <p:blipFill>
+                      <a:blip r:embed="rId4">
+                        <a:extLst>
+                          <a:ext uri="{28A0092B-C50C-407E-A947-70E740481C1C}">
+                            <a14:useLocalDpi xmlns:a14="http://schemas.microsoft.com/office/drawing/2010/main" val="0"/>
+                          </a:ext>
+                        </a:extLst>
+                      </a:blip>
+                      <a:srcRect/>
+                      <a:stretch>
+                        <a:fillRect/>
+                      </a:stretch>
+                    </p:blipFill>
+                    <p:spPr bwMode="auto">
+                      <a:xfrm>
+                        <a:off x="1357290" y="4286256"/>
+                        <a:ext cx="1561431" cy="428628"/>
+                      </a:xfrm>
+                      <a:prstGeom prst="rect">
+                        <a:avLst/>
+                      </a:prstGeom>
+                      <a:noFill/>
+                      <a:extLst>
+                        <a:ext uri="{909E8E84-426E-40DD-AFC4-6F175D3DCCD1}">
+                          <a14:hiddenFill xmlns:a14="http://schemas.microsoft.com/office/drawing/2010/main">
+                            <a:solidFill>
+                              <a:srgbClr val="FFFFFF"/>
+                            </a:solidFill>
+                          </a14:hiddenFill>
+                        </a:ext>
+                      </a:extLst>
+                    </p:spPr>
+                  </p:pic>
+                </p:oleObj>
+              </mc:Fallback>
+            </mc:AlternateContent>
           </a:graphicData>
         </a:graphic>
       </p:graphicFrame>
@@ -9884,98 +9945,98 @@
           <a:lstStyle/>
           <a:p>
             <a:r>
-              <a:rPr lang="en-US" altLang="zh-CN" dirty="0" smtClean="0"/>
+              <a:rPr lang="en-US" altLang="zh-CHS" dirty="0" smtClean="0"/>
               <a:t>Model matrix</a:t>
             </a:r>
           </a:p>
           <a:p>
             <a:pPr lvl="1"/>
             <a:r>
-              <a:rPr lang="en-US" altLang="zh-CN" dirty="0" smtClean="0"/>
+              <a:rPr lang="en-US" altLang="zh-CHS" dirty="0" smtClean="0"/>
               <a:t>Transformations of objects</a:t>
             </a:r>
           </a:p>
           <a:p>
             <a:pPr lvl="2"/>
             <a:r>
-              <a:rPr lang="en-US" altLang="zh-CN" dirty="0" err="1" smtClean="0"/>
+              <a:rPr lang="en-US" altLang="zh-CHS" dirty="0" err="1" smtClean="0"/>
               <a:t>glTranslatef</a:t>
             </a:r>
             <a:r>
-              <a:rPr lang="en-US" altLang="zh-CN" dirty="0" smtClean="0"/>
+              <a:rPr lang="en-US" altLang="zh-CHS" dirty="0" smtClean="0"/>
               <a:t>() – Shifting</a:t>
             </a:r>
           </a:p>
           <a:p>
             <a:pPr lvl="2"/>
             <a:r>
-              <a:rPr lang="en-US" altLang="zh-CN" dirty="0" err="1" smtClean="0"/>
+              <a:rPr lang="en-US" altLang="zh-CHS" dirty="0" err="1" smtClean="0"/>
               <a:t>glRotatef</a:t>
             </a:r>
             <a:r>
-              <a:rPr lang="en-US" altLang="zh-CN" dirty="0" smtClean="0"/>
+              <a:rPr lang="en-US" altLang="zh-CHS" dirty="0" smtClean="0"/>
               <a:t>() – Rotating</a:t>
             </a:r>
           </a:p>
           <a:p>
             <a:pPr lvl="2"/>
             <a:r>
-              <a:rPr lang="en-US" altLang="zh-CN" dirty="0" err="1" smtClean="0"/>
+              <a:rPr lang="en-US" altLang="zh-CHS" dirty="0" err="1" smtClean="0"/>
               <a:t>glScalef</a:t>
             </a:r>
             <a:r>
-              <a:rPr lang="en-US" altLang="zh-CN" dirty="0" smtClean="0"/>
+              <a:rPr lang="en-US" altLang="zh-CHS" dirty="0" smtClean="0"/>
               <a:t>() – Scaling</a:t>
             </a:r>
           </a:p>
           <a:p>
             <a:pPr lvl="2"/>
             <a:r>
-              <a:rPr lang="en-US" altLang="zh-CN" dirty="0" smtClean="0"/>
+              <a:rPr lang="en-US" altLang="zh-CHS" dirty="0" smtClean="0"/>
               <a:t>…</a:t>
             </a:r>
           </a:p>
           <a:p>
             <a:r>
-              <a:rPr lang="en-US" altLang="zh-CN" dirty="0" smtClean="0"/>
+              <a:rPr lang="en-US" altLang="zh-CHS" dirty="0" smtClean="0"/>
               <a:t>View matrix</a:t>
             </a:r>
           </a:p>
           <a:p>
             <a:pPr lvl="1"/>
             <a:r>
-              <a:rPr lang="en-US" altLang="zh-CN" dirty="0" smtClean="0"/>
+              <a:rPr lang="en-US" altLang="zh-CHS" dirty="0" smtClean="0"/>
               <a:t>Set up our “eyes” in the coordinate system</a:t>
             </a:r>
           </a:p>
           <a:p>
             <a:pPr lvl="2"/>
             <a:r>
-              <a:rPr lang="en-US" altLang="zh-CN" dirty="0" smtClean="0"/>
+              <a:rPr lang="en-US" altLang="zh-CHS" dirty="0" smtClean="0"/>
               <a:t>Usually set up by </a:t>
             </a:r>
             <a:r>
-              <a:rPr lang="en-US" altLang="zh-CN" dirty="0" err="1" smtClean="0"/>
+              <a:rPr lang="en-US" altLang="zh-CHS" dirty="0" err="1" smtClean="0"/>
               <a:t>gluLookAt</a:t>
             </a:r>
             <a:r>
-              <a:rPr lang="en-US" altLang="zh-CN" dirty="0" smtClean="0"/>
+              <a:rPr lang="en-US" altLang="zh-CHS" dirty="0" smtClean="0"/>
               <a:t>()</a:t>
             </a:r>
           </a:p>
           <a:p>
             <a:pPr lvl="2"/>
-            <a:endParaRPr lang="en-US" altLang="zh-CN" dirty="0" smtClean="0"/>
-          </a:p>
-          <a:p>
-            <a:r>
-              <a:rPr lang="en-US" altLang="zh-CN" dirty="0" smtClean="0"/>
+            <a:endParaRPr lang="en-US" altLang="zh-CHS" dirty="0" smtClean="0"/>
+          </a:p>
+          <a:p>
+            <a:r>
+              <a:rPr lang="en-US" altLang="zh-CHS" dirty="0" smtClean="0"/>
               <a:t>One matrix actually…</a:t>
             </a:r>
           </a:p>
           <a:p>
             <a:pPr lvl="2"/>
-            <a:endParaRPr lang="zh-CN" altLang="en-US" dirty="0"/>
+            <a:endParaRPr lang="zh-CHS" altLang="en-US" dirty="0"/>
           </a:p>
         </p:txBody>
       </p:sp>
@@ -9995,10 +10056,10 @@
           <a:lstStyle/>
           <a:p>
             <a:r>
-              <a:rPr lang="en-US" altLang="zh-CN" dirty="0" smtClean="0"/>
+              <a:rPr lang="en-US" altLang="zh-CHS" dirty="0" smtClean="0"/>
               <a:t>Model-View matrix</a:t>
             </a:r>
-            <a:endParaRPr lang="zh-CN" altLang="en-US" dirty="0"/>
+            <a:endParaRPr lang="zh-CHS" altLang="en-US" dirty="0"/>
           </a:p>
         </p:txBody>
       </p:sp>
